--- a/doc/linuxtag_SeamArquillian_de.pptx
+++ b/doc/linuxtag_SeamArquillian_de.pptx
@@ -240,7 +240,7 @@
             <a:fld id="{CAE8B47A-F057-42A6-A398-00F78FC959B0}" type="datetimeFigureOut">
               <a:rPr lang="de-DE" smtClean="0"/>
               <a:pPr/>
-              <a:t>07.04.2011</a:t>
+              <a:t>11.05.2011</a:t>
             </a:fld>
             <a:endParaRPr lang="de-DE"/>
           </a:p>
@@ -459,7 +459,7 @@
           </a:ln>
           <a:extLst>
             <a:ext uri="{909E8E84-426E-40DD-AFC4-6F175D3DCCD1}">
-              <a14:hiddenFill xmlns="" xmlns:a14="http://schemas.microsoft.com/office/drawing/2010/main">
+              <a14:hiddenFill xmlns:a14="http://schemas.microsoft.com/office/drawing/2010/main" xmlns="">
                 <a:solidFill>
                   <a:srgbClr val="FFFFFF"/>
                 </a:solidFill>
@@ -633,7 +633,7 @@
     </p:spTree>
     <p:extLst>
       <p:ext uri="{BB962C8B-B14F-4D97-AF65-F5344CB8AC3E}">
-        <p14:creationId xmlns="" xmlns:p14="http://schemas.microsoft.com/office/powerpoint/2010/main" val="2567890474"/>
+        <p14:creationId xmlns:p14="http://schemas.microsoft.com/office/powerpoint/2010/main" xmlns="" val="2567890474"/>
       </p:ext>
     </p:extLst>
   </p:cSld>
@@ -812,7 +812,7 @@
           </a:ln>
           <a:extLst>
             <a:ext uri="{91240B29-F687-4F45-9708-019B960494DF}">
-              <a14:hiddenLine xmlns="" xmlns:a14="http://schemas.microsoft.com/office/drawing/2010/main" w="9525">
+              <a14:hiddenLine xmlns:a14="http://schemas.microsoft.com/office/drawing/2010/main" xmlns="" w="9525">
                 <a:solidFill>
                   <a:srgbClr val="000000"/>
                 </a:solidFill>
@@ -848,7 +848,7 @@
           </a:xfrm>
           <a:extLst>
             <a:ext uri="{91240B29-F687-4F45-9708-019B960494DF}">
-              <a14:hiddenLine xmlns="" xmlns:a14="http://schemas.microsoft.com/office/drawing/2010/main" w="9525" algn="ctr">
+              <a14:hiddenLine xmlns:a14="http://schemas.microsoft.com/office/drawing/2010/main" xmlns="" w="9525" algn="ctr">
                 <a:solidFill>
                   <a:srgbClr val="000000"/>
                 </a:solidFill>
@@ -858,7 +858,7 @@
               </a14:hiddenLine>
             </a:ext>
             <a:ext uri="{AF507438-7753-43E0-B8FC-AC1667EBCBE1}">
-              <a14:hiddenEffects xmlns="" xmlns:a14="http://schemas.microsoft.com/office/drawing/2010/main">
+              <a14:hiddenEffects xmlns:a14="http://schemas.microsoft.com/office/drawing/2010/main" xmlns="">
                 <a:effectLst>
                   <a:outerShdw dist="35921" dir="2700000" algn="ctr" rotWithShape="0">
                     <a:srgbClr val="808080"/>
@@ -904,7 +904,7 @@
           </a:xfrm>
           <a:extLst>
             <a:ext uri="{91240B29-F687-4F45-9708-019B960494DF}">
-              <a14:hiddenLine xmlns="" xmlns:a14="http://schemas.microsoft.com/office/drawing/2010/main" w="9525" algn="ctr">
+              <a14:hiddenLine xmlns:a14="http://schemas.microsoft.com/office/drawing/2010/main" xmlns="" w="9525" algn="ctr">
                 <a:solidFill>
                   <a:srgbClr val="000000"/>
                 </a:solidFill>
@@ -914,7 +914,7 @@
               </a14:hiddenLine>
             </a:ext>
             <a:ext uri="{AF507438-7753-43E0-B8FC-AC1667EBCBE1}">
-              <a14:hiddenEffects xmlns="" xmlns:a14="http://schemas.microsoft.com/office/drawing/2010/main">
+              <a14:hiddenEffects xmlns:a14="http://schemas.microsoft.com/office/drawing/2010/main" xmlns="">
                 <a:effectLst>
                   <a:outerShdw dist="35921" dir="2700000" algn="ctr" rotWithShape="0">
                     <a:srgbClr val="808080"/>
@@ -954,7 +954,7 @@
           <a:blip r:embed="rId2" cstate="print">
             <a:extLst>
               <a:ext uri="{28A0092B-C50C-407E-A947-70E740481C1C}">
-                <a14:useLocalDpi xmlns="" xmlns:a14="http://schemas.microsoft.com/office/drawing/2010/main" val="0"/>
+                <a14:useLocalDpi xmlns:a14="http://schemas.microsoft.com/office/drawing/2010/main" xmlns="" val="0"/>
               </a:ext>
             </a:extLst>
           </a:blip>
@@ -977,14 +977,14 @@
           </a:ln>
           <a:extLst>
             <a:ext uri="{909E8E84-426E-40DD-AFC4-6F175D3DCCD1}">
-              <a14:hiddenFill xmlns="" xmlns:a14="http://schemas.microsoft.com/office/drawing/2010/main">
+              <a14:hiddenFill xmlns:a14="http://schemas.microsoft.com/office/drawing/2010/main" xmlns="">
                 <a:solidFill>
                   <a:srgbClr val="FFFFFF"/>
                 </a:solidFill>
               </a14:hiddenFill>
             </a:ext>
             <a:ext uri="{91240B29-F687-4F45-9708-019B960494DF}">
-              <a14:hiddenLine xmlns="" xmlns:a14="http://schemas.microsoft.com/office/drawing/2010/main" w="9525">
+              <a14:hiddenLine xmlns:a14="http://schemas.microsoft.com/office/drawing/2010/main" xmlns="" w="9525">
                 <a:solidFill>
                   <a:srgbClr val="000000"/>
                 </a:solidFill>
@@ -1049,7 +1049,7 @@
             <a:effectLst/>
             <a:extLst>
               <a:ext uri="{91240B29-F687-4F45-9708-019B960494DF}">
-                <a14:hiddenLine xmlns="" xmlns:a14="http://schemas.microsoft.com/office/drawing/2010/main" w="9525">
+                <a14:hiddenLine xmlns:a14="http://schemas.microsoft.com/office/drawing/2010/main" xmlns="" w="9525">
                   <a:solidFill>
                     <a:schemeClr val="tx1"/>
                   </a:solidFill>
@@ -1059,7 +1059,7 @@
                 </a14:hiddenLine>
               </a:ext>
               <a:ext uri="{AF507438-7753-43E0-B8FC-AC1667EBCBE1}">
-                <a14:hiddenEffects xmlns="" xmlns:a14="http://schemas.microsoft.com/office/drawing/2010/main">
+                <a14:hiddenEffects xmlns:a14="http://schemas.microsoft.com/office/drawing/2010/main" xmlns="">
                   <a:effectLst>
                     <a:outerShdw dist="35921" dir="2700000" algn="ctr" rotWithShape="0">
                       <a:schemeClr val="bg2"/>
@@ -1151,7 +1151,7 @@
             <a:effectLst/>
             <a:extLst>
               <a:ext uri="{91240B29-F687-4F45-9708-019B960494DF}">
-                <a14:hiddenLine xmlns="" xmlns:a14="http://schemas.microsoft.com/office/drawing/2010/main" w="9525">
+                <a14:hiddenLine xmlns:a14="http://schemas.microsoft.com/office/drawing/2010/main" xmlns="" w="9525">
                   <a:solidFill>
                     <a:schemeClr val="tx1"/>
                   </a:solidFill>
@@ -1161,7 +1161,7 @@
                 </a14:hiddenLine>
               </a:ext>
               <a:ext uri="{AF507438-7753-43E0-B8FC-AC1667EBCBE1}">
-                <a14:hiddenEffects xmlns="" xmlns:a14="http://schemas.microsoft.com/office/drawing/2010/main">
+                <a14:hiddenEffects xmlns:a14="http://schemas.microsoft.com/office/drawing/2010/main" xmlns="">
                   <a:effectLst>
                     <a:outerShdw dist="35921" dir="2700000" algn="ctr" rotWithShape="0">
                       <a:schemeClr val="bg2"/>
@@ -1253,7 +1253,7 @@
             <a:effectLst/>
             <a:extLst>
               <a:ext uri="{91240B29-F687-4F45-9708-019B960494DF}">
-                <a14:hiddenLine xmlns="" xmlns:a14="http://schemas.microsoft.com/office/drawing/2010/main" w="9525">
+                <a14:hiddenLine xmlns:a14="http://schemas.microsoft.com/office/drawing/2010/main" xmlns="" w="9525">
                   <a:solidFill>
                     <a:schemeClr val="tx1"/>
                   </a:solidFill>
@@ -1263,7 +1263,7 @@
                 </a14:hiddenLine>
               </a:ext>
               <a:ext uri="{AF507438-7753-43E0-B8FC-AC1667EBCBE1}">
-                <a14:hiddenEffects xmlns="" xmlns:a14="http://schemas.microsoft.com/office/drawing/2010/main">
+                <a14:hiddenEffects xmlns:a14="http://schemas.microsoft.com/office/drawing/2010/main" xmlns="">
                   <a:effectLst>
                     <a:outerShdw dist="35921" dir="2700000" algn="ctr" rotWithShape="0">
                       <a:schemeClr val="bg2"/>
@@ -1355,7 +1355,7 @@
             <a:effectLst/>
             <a:extLst>
               <a:ext uri="{91240B29-F687-4F45-9708-019B960494DF}">
-                <a14:hiddenLine xmlns="" xmlns:a14="http://schemas.microsoft.com/office/drawing/2010/main" w="9525">
+                <a14:hiddenLine xmlns:a14="http://schemas.microsoft.com/office/drawing/2010/main" xmlns="" w="9525">
                   <a:solidFill>
                     <a:schemeClr val="tx1"/>
                   </a:solidFill>
@@ -1365,7 +1365,7 @@
                 </a14:hiddenLine>
               </a:ext>
               <a:ext uri="{AF507438-7753-43E0-B8FC-AC1667EBCBE1}">
-                <a14:hiddenEffects xmlns="" xmlns:a14="http://schemas.microsoft.com/office/drawing/2010/main">
+                <a14:hiddenEffects xmlns:a14="http://schemas.microsoft.com/office/drawing/2010/main" xmlns="">
                   <a:effectLst>
                     <a:outerShdw dist="35921" dir="2700000" algn="ctr" rotWithShape="0">
                       <a:schemeClr val="bg2"/>
@@ -1457,7 +1457,7 @@
             <a:effectLst/>
             <a:extLst>
               <a:ext uri="{91240B29-F687-4F45-9708-019B960494DF}">
-                <a14:hiddenLine xmlns="" xmlns:a14="http://schemas.microsoft.com/office/drawing/2010/main" w="9525">
+                <a14:hiddenLine xmlns:a14="http://schemas.microsoft.com/office/drawing/2010/main" xmlns="" w="9525">
                   <a:solidFill>
                     <a:schemeClr val="tx1"/>
                   </a:solidFill>
@@ -1467,7 +1467,7 @@
                 </a14:hiddenLine>
               </a:ext>
               <a:ext uri="{AF507438-7753-43E0-B8FC-AC1667EBCBE1}">
-                <a14:hiddenEffects xmlns="" xmlns:a14="http://schemas.microsoft.com/office/drawing/2010/main">
+                <a14:hiddenEffects xmlns:a14="http://schemas.microsoft.com/office/drawing/2010/main" xmlns="">
                   <a:effectLst>
                     <a:outerShdw dist="35921" dir="2700000" algn="ctr" rotWithShape="0">
                       <a:schemeClr val="bg2"/>
@@ -1560,7 +1560,7 @@
             <a:effectLst/>
             <a:extLst>
               <a:ext uri="{91240B29-F687-4F45-9708-019B960494DF}">
-                <a14:hiddenLine xmlns="" xmlns:a14="http://schemas.microsoft.com/office/drawing/2010/main" w="9525">
+                <a14:hiddenLine xmlns:a14="http://schemas.microsoft.com/office/drawing/2010/main" xmlns="" w="9525">
                   <a:solidFill>
                     <a:schemeClr val="tx1"/>
                   </a:solidFill>
@@ -1570,7 +1570,7 @@
                 </a14:hiddenLine>
               </a:ext>
               <a:ext uri="{AF507438-7753-43E0-B8FC-AC1667EBCBE1}">
-                <a14:hiddenEffects xmlns="" xmlns:a14="http://schemas.microsoft.com/office/drawing/2010/main">
+                <a14:hiddenEffects xmlns:a14="http://schemas.microsoft.com/office/drawing/2010/main" xmlns="">
                   <a:effectLst>
                     <a:outerShdw dist="35921" dir="2700000" algn="ctr" rotWithShape="0">
                       <a:schemeClr val="bg2"/>
@@ -2094,7 +2094,7 @@
             <a:fld id="{E21178D3-6FDC-4B0B-8625-5740BE2FAF02}" type="datetime1">
               <a:rPr lang="de-DE"/>
               <a:pPr/>
-              <a:t>07.04.2011</a:t>
+              <a:t>11.05.2011</a:t>
             </a:fld>
             <a:endParaRPr lang="de-DE"/>
           </a:p>
@@ -2154,7 +2154,7 @@
     </p:spTree>
     <p:extLst>
       <p:ext uri="{BB962C8B-B14F-4D97-AF65-F5344CB8AC3E}">
-        <p14:creationId xmlns="" xmlns:p14="http://schemas.microsoft.com/office/powerpoint/2010/main" val="4188007517"/>
+        <p14:creationId xmlns:p14="http://schemas.microsoft.com/office/powerpoint/2010/main" xmlns="" val="4188007517"/>
       </p:ext>
     </p:extLst>
   </p:cSld>
@@ -2214,7 +2214,7 @@
           </a:ln>
           <a:extLst>
             <a:ext uri="{91240B29-F687-4F45-9708-019B960494DF}">
-              <a14:hiddenLine xmlns="" xmlns:a14="http://schemas.microsoft.com/office/drawing/2010/main" w="9525" algn="ctr">
+              <a14:hiddenLine xmlns:a14="http://schemas.microsoft.com/office/drawing/2010/main" xmlns="" w="9525" algn="ctr">
                 <a:solidFill>
                   <a:srgbClr val="000000"/>
                 </a:solidFill>
@@ -2309,14 +2309,14 @@
           </a:ln>
           <a:extLst>
             <a:ext uri="{909E8E84-426E-40DD-AFC4-6F175D3DCCD1}">
-              <a14:hiddenFill xmlns="" xmlns:a14="http://schemas.microsoft.com/office/drawing/2010/main">
+              <a14:hiddenFill xmlns:a14="http://schemas.microsoft.com/office/drawing/2010/main" xmlns="">
                 <a:solidFill>
                   <a:srgbClr val="FFFFFF"/>
                 </a:solidFill>
               </a14:hiddenFill>
             </a:ext>
             <a:ext uri="{91240B29-F687-4F45-9708-019B960494DF}">
-              <a14:hiddenLine xmlns="" xmlns:a14="http://schemas.microsoft.com/office/drawing/2010/main" w="9525">
+              <a14:hiddenLine xmlns:a14="http://schemas.microsoft.com/office/drawing/2010/main" xmlns="" w="9525">
                 <a:solidFill>
                   <a:srgbClr val="000000"/>
                 </a:solidFill>
@@ -2367,14 +2367,14 @@
           </a:ln>
           <a:extLst>
             <a:ext uri="{909E8E84-426E-40DD-AFC4-6F175D3DCCD1}">
-              <a14:hiddenFill xmlns="" xmlns:a14="http://schemas.microsoft.com/office/drawing/2010/main">
+              <a14:hiddenFill xmlns:a14="http://schemas.microsoft.com/office/drawing/2010/main" xmlns="">
                 <a:solidFill>
                   <a:srgbClr val="FFFFFF"/>
                 </a:solidFill>
               </a14:hiddenFill>
             </a:ext>
             <a:ext uri="{91240B29-F687-4F45-9708-019B960494DF}">
-              <a14:hiddenLine xmlns="" xmlns:a14="http://schemas.microsoft.com/office/drawing/2010/main" w="9525">
+              <a14:hiddenLine xmlns:a14="http://schemas.microsoft.com/office/drawing/2010/main" xmlns="" w="9525">
                 <a:solidFill>
                   <a:srgbClr val="000000"/>
                 </a:solidFill>
@@ -2476,7 +2476,7 @@
             <a:fld id="{E21178D3-6FDC-4B0B-8625-5740BE2FAF02}" type="datetime1">
               <a:rPr lang="de-DE"/>
               <a:pPr/>
-              <a:t>07.04.2011</a:t>
+              <a:t>11.05.2011</a:t>
             </a:fld>
             <a:endParaRPr lang="de-DE"/>
           </a:p>
@@ -2802,7 +2802,7 @@
           <a:blip r:embed="rId4" cstate="print">
             <a:extLst>
               <a:ext uri="{28A0092B-C50C-407E-A947-70E740481C1C}">
-                <a14:useLocalDpi xmlns="" xmlns:a14="http://schemas.microsoft.com/office/drawing/2010/main" val="0"/>
+                <a14:useLocalDpi xmlns:a14="http://schemas.microsoft.com/office/drawing/2010/main" xmlns="" val="0"/>
               </a:ext>
             </a:extLst>
           </a:blip>
@@ -2825,14 +2825,14 @@
           </a:ln>
           <a:extLst>
             <a:ext uri="{909E8E84-426E-40DD-AFC4-6F175D3DCCD1}">
-              <a14:hiddenFill xmlns="" xmlns:a14="http://schemas.microsoft.com/office/drawing/2010/main">
+              <a14:hiddenFill xmlns:a14="http://schemas.microsoft.com/office/drawing/2010/main" xmlns="">
                 <a:solidFill>
                   <a:srgbClr val="FFFFFF"/>
                 </a:solidFill>
               </a14:hiddenFill>
             </a:ext>
             <a:ext uri="{91240B29-F687-4F45-9708-019B960494DF}">
-              <a14:hiddenLine xmlns="" xmlns:a14="http://schemas.microsoft.com/office/drawing/2010/main" w="9525">
+              <a14:hiddenLine xmlns:a14="http://schemas.microsoft.com/office/drawing/2010/main" xmlns="" w="9525">
                 <a:solidFill>
                   <a:srgbClr val="000000"/>
                 </a:solidFill>
@@ -2897,7 +2897,7 @@
             <a:effectLst/>
             <a:extLst>
               <a:ext uri="{91240B29-F687-4F45-9708-019B960494DF}">
-                <a14:hiddenLine xmlns="" xmlns:a14="http://schemas.microsoft.com/office/drawing/2010/main" w="9525">
+                <a14:hiddenLine xmlns:a14="http://schemas.microsoft.com/office/drawing/2010/main" xmlns="" w="9525">
                   <a:solidFill>
                     <a:schemeClr val="tx1"/>
                   </a:solidFill>
@@ -2907,7 +2907,7 @@
                 </a14:hiddenLine>
               </a:ext>
               <a:ext uri="{AF507438-7753-43E0-B8FC-AC1667EBCBE1}">
-                <a14:hiddenEffects xmlns="" xmlns:a14="http://schemas.microsoft.com/office/drawing/2010/main">
+                <a14:hiddenEffects xmlns:a14="http://schemas.microsoft.com/office/drawing/2010/main" xmlns="">
                   <a:effectLst>
                     <a:outerShdw dist="35921" dir="2700000" algn="ctr" rotWithShape="0">
                       <a:schemeClr val="bg2"/>
@@ -2999,7 +2999,7 @@
             <a:effectLst/>
             <a:extLst>
               <a:ext uri="{91240B29-F687-4F45-9708-019B960494DF}">
-                <a14:hiddenLine xmlns="" xmlns:a14="http://schemas.microsoft.com/office/drawing/2010/main" w="9525">
+                <a14:hiddenLine xmlns:a14="http://schemas.microsoft.com/office/drawing/2010/main" xmlns="" w="9525">
                   <a:solidFill>
                     <a:schemeClr val="tx1"/>
                   </a:solidFill>
@@ -3009,7 +3009,7 @@
                 </a14:hiddenLine>
               </a:ext>
               <a:ext uri="{AF507438-7753-43E0-B8FC-AC1667EBCBE1}">
-                <a14:hiddenEffects xmlns="" xmlns:a14="http://schemas.microsoft.com/office/drawing/2010/main">
+                <a14:hiddenEffects xmlns:a14="http://schemas.microsoft.com/office/drawing/2010/main" xmlns="">
                   <a:effectLst>
                     <a:outerShdw dist="35921" dir="2700000" algn="ctr" rotWithShape="0">
                       <a:schemeClr val="bg2"/>
@@ -3101,7 +3101,7 @@
             <a:effectLst/>
             <a:extLst>
               <a:ext uri="{91240B29-F687-4F45-9708-019B960494DF}">
-                <a14:hiddenLine xmlns="" xmlns:a14="http://schemas.microsoft.com/office/drawing/2010/main" w="9525">
+                <a14:hiddenLine xmlns:a14="http://schemas.microsoft.com/office/drawing/2010/main" xmlns="" w="9525">
                   <a:solidFill>
                     <a:schemeClr val="tx1"/>
                   </a:solidFill>
@@ -3111,7 +3111,7 @@
                 </a14:hiddenLine>
               </a:ext>
               <a:ext uri="{AF507438-7753-43E0-B8FC-AC1667EBCBE1}">
-                <a14:hiddenEffects xmlns="" xmlns:a14="http://schemas.microsoft.com/office/drawing/2010/main">
+                <a14:hiddenEffects xmlns:a14="http://schemas.microsoft.com/office/drawing/2010/main" xmlns="">
                   <a:effectLst>
                     <a:outerShdw dist="35921" dir="2700000" algn="ctr" rotWithShape="0">
                       <a:schemeClr val="bg2"/>
@@ -3203,7 +3203,7 @@
             <a:effectLst/>
             <a:extLst>
               <a:ext uri="{91240B29-F687-4F45-9708-019B960494DF}">
-                <a14:hiddenLine xmlns="" xmlns:a14="http://schemas.microsoft.com/office/drawing/2010/main" w="9525">
+                <a14:hiddenLine xmlns:a14="http://schemas.microsoft.com/office/drawing/2010/main" xmlns="" w="9525">
                   <a:solidFill>
                     <a:schemeClr val="tx1"/>
                   </a:solidFill>
@@ -3213,7 +3213,7 @@
                 </a14:hiddenLine>
               </a:ext>
               <a:ext uri="{AF507438-7753-43E0-B8FC-AC1667EBCBE1}">
-                <a14:hiddenEffects xmlns="" xmlns:a14="http://schemas.microsoft.com/office/drawing/2010/main">
+                <a14:hiddenEffects xmlns:a14="http://schemas.microsoft.com/office/drawing/2010/main" xmlns="">
                   <a:effectLst>
                     <a:outerShdw dist="35921" dir="2700000" algn="ctr" rotWithShape="0">
                       <a:schemeClr val="bg2"/>
@@ -3305,7 +3305,7 @@
             <a:effectLst/>
             <a:extLst>
               <a:ext uri="{91240B29-F687-4F45-9708-019B960494DF}">
-                <a14:hiddenLine xmlns="" xmlns:a14="http://schemas.microsoft.com/office/drawing/2010/main" w="9525">
+                <a14:hiddenLine xmlns:a14="http://schemas.microsoft.com/office/drawing/2010/main" xmlns="" w="9525">
                   <a:solidFill>
                     <a:schemeClr val="tx1"/>
                   </a:solidFill>
@@ -3315,7 +3315,7 @@
                 </a14:hiddenLine>
               </a:ext>
               <a:ext uri="{AF507438-7753-43E0-B8FC-AC1667EBCBE1}">
-                <a14:hiddenEffects xmlns="" xmlns:a14="http://schemas.microsoft.com/office/drawing/2010/main">
+                <a14:hiddenEffects xmlns:a14="http://schemas.microsoft.com/office/drawing/2010/main" xmlns="">
                   <a:effectLst>
                     <a:outerShdw dist="35921" dir="2700000" algn="ctr" rotWithShape="0">
                       <a:schemeClr val="bg2"/>
@@ -3408,7 +3408,7 @@
             <a:effectLst/>
             <a:extLst>
               <a:ext uri="{91240B29-F687-4F45-9708-019B960494DF}">
-                <a14:hiddenLine xmlns="" xmlns:a14="http://schemas.microsoft.com/office/drawing/2010/main" w="9525">
+                <a14:hiddenLine xmlns:a14="http://schemas.microsoft.com/office/drawing/2010/main" xmlns="" w="9525">
                   <a:solidFill>
                     <a:schemeClr val="tx1"/>
                   </a:solidFill>
@@ -3418,7 +3418,7 @@
                 </a14:hiddenLine>
               </a:ext>
               <a:ext uri="{AF507438-7753-43E0-B8FC-AC1667EBCBE1}">
-                <a14:hiddenEffects xmlns="" xmlns:a14="http://schemas.microsoft.com/office/drawing/2010/main">
+                <a14:hiddenEffects xmlns:a14="http://schemas.microsoft.com/office/drawing/2010/main" xmlns="">
                   <a:effectLst>
                     <a:outerShdw dist="35921" dir="2700000" algn="ctr" rotWithShape="0">
                       <a:schemeClr val="bg2"/>
@@ -3934,7 +3934,7 @@
         </p:nvSpPr>
         <p:spPr>
           <a:xfrm>
-            <a:off x="323851" y="1916113"/>
+            <a:off x="323851" y="2060848"/>
             <a:ext cx="8556904" cy="2088951"/>
           </a:xfrm>
         </p:spPr>
@@ -3943,31 +3943,31 @@
           <a:lstStyle/>
           <a:p>
             <a:r>
+              <a:rPr lang="de-DE" dirty="0"/>
+              <a:t>Real Java EE </a:t>
+            </a:r>
+            <a:r>
+              <a:rPr lang="de-DE" dirty="0" err="1"/>
+              <a:t>Testing</a:t>
+            </a:r>
+            <a:r>
+              <a:rPr lang="de-DE" dirty="0"/>
+              <a:t/>
+            </a:r>
+            <a:br>
+              <a:rPr lang="de-DE" dirty="0"/>
+            </a:br>
+            <a:r>
               <a:rPr lang="en-US" dirty="0" smtClean="0"/>
               <a:t>Seam 2</a:t>
             </a:r>
             <a:r>
               <a:rPr lang="en-US" dirty="0"/>
-              <a:t>: </a:t>
+              <a:t> </a:t>
             </a:r>
             <a:r>
               <a:rPr lang="en-US" dirty="0" smtClean="0"/>
-              <a:t/>
-            </a:r>
-            <a:br>
-              <a:rPr lang="en-US" dirty="0" smtClean="0"/>
-            </a:br>
-            <a:r>
-              <a:rPr lang="en-US" dirty="0" smtClean="0"/>
-              <a:t>Real </a:t>
-            </a:r>
-            <a:r>
-              <a:rPr lang="en-US" dirty="0"/>
-              <a:t>I</a:t>
-            </a:r>
-            <a:r>
-              <a:rPr lang="en-US" dirty="0" smtClean="0"/>
-              <a:t>ntegration </a:t>
+              <a:t>Integration </a:t>
             </a:r>
             <a:r>
               <a:rPr lang="en-US" dirty="0"/>
@@ -4074,7 +4074,7 @@
       </p:pic>
       <p:pic>
         <p:nvPicPr>
-          <p:cNvPr id="1026" name="Picture 2"/>
+          <p:cNvPr id="2" name="Picture 2"/>
           <p:cNvPicPr>
             <a:picLocks noChangeAspect="1" noChangeArrowheads="1"/>
           </p:cNvPicPr>
@@ -4089,8 +4089,8 @@
         </p:blipFill>
         <p:spPr bwMode="auto">
           <a:xfrm>
-            <a:off x="5571304" y="1307405"/>
-            <a:ext cx="3315867" cy="1545531"/>
+            <a:off x="6228184" y="1196752"/>
+            <a:ext cx="2695757" cy="1742133"/>
           </a:xfrm>
           <a:prstGeom prst="rect">
             <a:avLst/>
@@ -4156,11 +4156,7 @@
           <a:p>
             <a:r>
               <a:rPr lang="en-US" dirty="0" smtClean="0"/>
-              <a:t>Praxis – </a:t>
-            </a:r>
-            <a:r>
-              <a:rPr lang="en-US" dirty="0" smtClean="0"/>
-              <a:t>Seam 2-Integration</a:t>
+              <a:t>Praxis – Seam 2-Integration</a:t>
             </a:r>
             <a:endParaRPr lang="de-DE" dirty="0" smtClean="0"/>
           </a:p>
@@ -4208,7 +4204,7 @@
             <a:fld id="{98405E6C-AB5C-49C6-8300-E0D31946C0F1}" type="datetime1">
               <a:rPr lang="de-DE" smtClean="0"/>
               <a:pPr/>
-              <a:t>08.04.2011</a:t>
+              <a:t>11.05.2011</a:t>
             </a:fld>
             <a:endParaRPr lang="de-DE"/>
           </a:p>
@@ -4719,13 +4715,8 @@
             </a:r>
             <a:r>
               <a:rPr lang="de-DE" sz="2000" dirty="0" smtClean="0"/>
-              <a:t> </a:t>
-            </a:r>
-            <a:r>
-              <a:rPr lang="de-DE" sz="2000" dirty="0" smtClean="0"/>
-              <a:t>Container</a:t>
-            </a:r>
-            <a:endParaRPr lang="de-DE" sz="2000" dirty="0" smtClean="0"/>
+              <a:t> Container</a:t>
+            </a:r>
           </a:p>
           <a:p>
             <a:pPr lvl="1"/>
@@ -4739,13 +4730,8 @@
             </a:r>
             <a:r>
               <a:rPr lang="de-DE" sz="2000" dirty="0" smtClean="0"/>
-              <a:t> </a:t>
-            </a:r>
-            <a:r>
-              <a:rPr lang="de-DE" sz="2000" dirty="0" smtClean="0"/>
-              <a:t>Build durch Hudson/Jenkins</a:t>
-            </a:r>
-            <a:endParaRPr lang="de-DE" sz="2000" dirty="0" smtClean="0"/>
+              <a:t> Build durch Hudson/Jenkins</a:t>
+            </a:r>
           </a:p>
           <a:p>
             <a:pPr lvl="1"/>
@@ -4763,13 +4749,8 @@
             </a:r>
             <a:r>
               <a:rPr lang="de-DE" sz="2000" dirty="0" smtClean="0"/>
-              <a:t> </a:t>
-            </a:r>
-            <a:r>
-              <a:rPr lang="de-DE" sz="2000" dirty="0" smtClean="0"/>
-              <a:t>Support</a:t>
-            </a:r>
-            <a:endParaRPr lang="de-DE" sz="2000" dirty="0" smtClean="0"/>
+              <a:t> Support</a:t>
+            </a:r>
           </a:p>
           <a:p>
             <a:pPr lvl="1"/>
@@ -4935,21 +4916,8 @@
             </a:pPr>
             <a:r>
               <a:rPr lang="en-US" sz="3200" dirty="0" smtClean="0"/>
-              <a:t>EJB </a:t>
-            </a:r>
-            <a:r>
-              <a:rPr lang="en-US" sz="3200" dirty="0" smtClean="0"/>
-              <a:t>Injected </a:t>
-            </a:r>
-            <a:r>
-              <a:rPr lang="en-US" sz="3200" dirty="0" smtClean="0"/>
-              <a:t>Seam </a:t>
-            </a:r>
-            <a:r>
-              <a:rPr lang="en-US" sz="3200" dirty="0" smtClean="0"/>
-              <a:t>Test </a:t>
-            </a:r>
-            <a:endParaRPr lang="en-US" sz="3200" dirty="0" smtClean="0"/>
+              <a:t>EJB Injected Seam Test </a:t>
+            </a:r>
           </a:p>
           <a:p>
             <a:pPr marL="514350" indent="-514350">
@@ -4961,11 +4929,7 @@
             </a:pPr>
             <a:r>
               <a:rPr lang="en-US" sz="3200" dirty="0" smtClean="0"/>
-              <a:t>Native Seam </a:t>
-            </a:r>
-            <a:r>
-              <a:rPr lang="en-US" sz="3200" dirty="0" smtClean="0"/>
-              <a:t>Injection</a:t>
+              <a:t>Native Seam Injection</a:t>
             </a:r>
             <a:endParaRPr lang="de-DE" sz="3200" dirty="0" smtClean="0"/>
           </a:p>
@@ -5013,7 +4977,7 @@
             <a:fld id="{98405E6C-AB5C-49C6-8300-E0D31946C0F1}" type="datetime1">
               <a:rPr lang="de-DE" smtClean="0"/>
               <a:pPr/>
-              <a:t>08.04.2011</a:t>
+              <a:t>11.05.2011</a:t>
             </a:fld>
             <a:endParaRPr lang="de-DE"/>
           </a:p>
@@ -5118,11 +5082,7 @@
           <a:p>
             <a:r>
               <a:rPr lang="en-US" dirty="0" smtClean="0"/>
-              <a:t>Seam 2 </a:t>
-            </a:r>
-            <a:r>
-              <a:rPr lang="en-US" dirty="0" smtClean="0"/>
-              <a:t>und </a:t>
+              <a:t>Seam 2 und </a:t>
             </a:r>
             <a:r>
               <a:rPr lang="en-US" dirty="0" err="1" smtClean="0"/>
@@ -5130,11 +5090,7 @@
             </a:r>
             <a:r>
               <a:rPr lang="en-US" dirty="0" smtClean="0"/>
-              <a:t> </a:t>
-            </a:r>
-            <a:r>
-              <a:rPr lang="en-US" dirty="0" smtClean="0"/>
-              <a:t>Roadmap</a:t>
+              <a:t> Roadmap</a:t>
             </a:r>
             <a:endParaRPr lang="de-DE" dirty="0" smtClean="0"/>
           </a:p>
@@ -5166,11 +5122,7 @@
             <a:pPr lvl="1"/>
             <a:r>
               <a:rPr lang="en-US" sz="2000" dirty="0" smtClean="0"/>
-              <a:t>API </a:t>
-            </a:r>
-            <a:r>
-              <a:rPr lang="en-US" sz="2000" dirty="0" smtClean="0"/>
-              <a:t>Support </a:t>
+              <a:t>API Support </a:t>
             </a:r>
             <a:r>
               <a:rPr lang="en-US" sz="2000" dirty="0" smtClean="0">
@@ -5188,11 +5140,7 @@
             </a:r>
             <a:r>
               <a:rPr lang="en-US" sz="2000" dirty="0" smtClean="0"/>
-              <a:t> Extension</a:t>
-            </a:r>
-            <a:r>
-              <a:rPr lang="en-US" sz="2000" dirty="0" smtClean="0"/>
-              <a:t>? </a:t>
+              <a:t> Extension? </a:t>
             </a:r>
           </a:p>
           <a:p>
@@ -5266,11 +5214,7 @@
             </a:r>
             <a:r>
               <a:rPr lang="en-US" sz="2000" dirty="0" smtClean="0"/>
-              <a:t> </a:t>
-            </a:r>
-            <a:r>
-              <a:rPr lang="en-US" sz="2000" dirty="0" smtClean="0"/>
-              <a:t>Integration</a:t>
+              <a:t> Integration</a:t>
             </a:r>
             <a:endParaRPr lang="de-DE" sz="2000" dirty="0" smtClean="0"/>
           </a:p>
@@ -5318,7 +5262,7 @@
             <a:fld id="{98405E6C-AB5C-49C6-8300-E0D31946C0F1}" type="datetime1">
               <a:rPr lang="de-DE" smtClean="0"/>
               <a:pPr/>
-              <a:t>08.04.2011</a:t>
+              <a:t>11.05.2011</a:t>
             </a:fld>
             <a:endParaRPr lang="de-DE"/>
           </a:p>
@@ -5428,13 +5372,8 @@
           <a:p>
             <a:r>
               <a:rPr lang="de-DE" dirty="0" smtClean="0"/>
-              <a:t>Multiple </a:t>
-            </a:r>
-            <a:r>
-              <a:rPr lang="de-DE" dirty="0" smtClean="0"/>
-              <a:t>Containers</a:t>
-            </a:r>
-            <a:endParaRPr lang="de-DE" dirty="0" smtClean="0"/>
+              <a:t>Multiple Containers</a:t>
+            </a:r>
           </a:p>
         </p:txBody>
       </p:sp>
@@ -5480,7 +5419,7 @@
             <a:fld id="{98405E6C-AB5C-49C6-8300-E0D31946C0F1}" type="datetime1">
               <a:rPr lang="de-DE" smtClean="0"/>
               <a:pPr/>
-              <a:t>08.04.2011</a:t>
+              <a:t>11.05.2011</a:t>
             </a:fld>
             <a:endParaRPr lang="de-DE"/>
           </a:p>
@@ -5722,7 +5661,6 @@
               <a:rPr lang="de-DE" dirty="0" smtClean="0"/>
               <a:t>Ein Blick in die Zukunft</a:t>
             </a:r>
-            <a:endParaRPr lang="de-DE" dirty="0" smtClean="0"/>
           </a:p>
         </p:txBody>
       </p:sp>
@@ -5759,8 +5697,63 @@
               <a:t>, 1.0.0.Beta1 </a:t>
             </a:r>
             <a:r>
+              <a:rPr lang="de-DE" sz="2000" dirty="0" smtClean="0"/>
+              <a:t>diesen Monat</a:t>
+            </a:r>
+            <a:endParaRPr lang="de-DE" sz="2000" dirty="0" smtClean="0"/>
+          </a:p>
+          <a:p>
+            <a:pPr lvl="1"/>
+            <a:r>
+              <a:rPr lang="de-DE" sz="2000" dirty="0" smtClean="0"/>
+              <a:t>Weitere Container – </a:t>
+            </a:r>
+            <a:r>
               <a:rPr lang="de-DE" sz="2000" dirty="0" err="1" smtClean="0"/>
-              <a:t>this</a:t>
+              <a:t>Weblogic</a:t>
+            </a:r>
+            <a:r>
+              <a:rPr lang="de-DE" sz="2000" dirty="0" smtClean="0"/>
+              <a:t>, Spring, Hibernate, </a:t>
+            </a:r>
+            <a:r>
+              <a:rPr lang="de-DE" sz="2000" dirty="0" err="1" smtClean="0"/>
+              <a:t>Drools</a:t>
+            </a:r>
+            <a:r>
+              <a:rPr lang="de-DE" sz="2000" dirty="0" smtClean="0"/>
+              <a:t>... </a:t>
+            </a:r>
+          </a:p>
+          <a:p>
+            <a:pPr lvl="1"/>
+            <a:r>
+              <a:rPr lang="de-DE" sz="2000" dirty="0" smtClean="0"/>
+              <a:t>Frameworks: </a:t>
+            </a:r>
+            <a:r>
+              <a:rPr lang="de-DE" sz="2000" dirty="0" err="1" smtClean="0"/>
+              <a:t>Selenium</a:t>
+            </a:r>
+            <a:r>
+              <a:rPr lang="de-DE" sz="2000" dirty="0" smtClean="0"/>
+              <a:t>, </a:t>
+            </a:r>
+            <a:r>
+              <a:rPr lang="de-DE" sz="2000" dirty="0" err="1" smtClean="0"/>
+              <a:t>DBUnit</a:t>
+            </a:r>
+            <a:endParaRPr lang="de-DE" sz="2000" dirty="0" smtClean="0"/>
+          </a:p>
+          <a:p>
+            <a:pPr lvl="1"/>
+            <a:r>
+              <a:rPr lang="de-DE" sz="2000" dirty="0" smtClean="0"/>
+              <a:t>Multiple </a:t>
+            </a:r>
+            <a:r>
+              <a:rPr lang="de-DE" sz="2000" dirty="0" err="1" smtClean="0"/>
+              <a:t>Deploy</a:t>
             </a:r>
             <a:r>
               <a:rPr lang="de-DE" sz="2000" dirty="0" smtClean="0"/>
@@ -5768,83 +5761,12 @@
             </a:r>
             <a:r>
               <a:rPr lang="de-DE" sz="2000" dirty="0" err="1" smtClean="0"/>
-              <a:t>week</a:t>
-            </a:r>
-            <a:r>
-              <a:rPr lang="de-DE" sz="2000" dirty="0" smtClean="0"/>
-              <a:t> (-;</a:t>
-            </a:r>
-          </a:p>
-          <a:p>
-            <a:pPr lvl="1"/>
-            <a:r>
-              <a:rPr lang="de-DE" sz="2000" dirty="0" smtClean="0"/>
-              <a:t>Weitere Container </a:t>
-            </a:r>
-            <a:r>
-              <a:rPr lang="de-DE" sz="2000" dirty="0" smtClean="0"/>
-              <a:t>– </a:t>
-            </a:r>
-            <a:r>
-              <a:rPr lang="de-DE" sz="2000" dirty="0" err="1" smtClean="0"/>
-              <a:t>Weblogic</a:t>
-            </a:r>
-            <a:r>
-              <a:rPr lang="de-DE" sz="2000" dirty="0" smtClean="0"/>
-              <a:t>, Spring, Hibernate, </a:t>
-            </a:r>
-            <a:r>
-              <a:rPr lang="de-DE" sz="2000" dirty="0" err="1" smtClean="0"/>
-              <a:t>Drools</a:t>
-            </a:r>
-            <a:r>
-              <a:rPr lang="de-DE" sz="2000" dirty="0" smtClean="0"/>
-              <a:t>... </a:t>
-            </a:r>
-          </a:p>
-          <a:p>
-            <a:pPr lvl="1"/>
-            <a:r>
-              <a:rPr lang="de-DE" sz="2000" dirty="0" smtClean="0"/>
-              <a:t>Frameworks: </a:t>
-            </a:r>
-            <a:r>
-              <a:rPr lang="de-DE" sz="2000" dirty="0" err="1" smtClean="0"/>
-              <a:t>Selenium</a:t>
-            </a:r>
-            <a:r>
-              <a:rPr lang="de-DE" sz="2000" dirty="0" smtClean="0"/>
-              <a:t>, </a:t>
-            </a:r>
-            <a:r>
-              <a:rPr lang="de-DE" sz="2000" dirty="0" err="1" smtClean="0"/>
-              <a:t>DBUnit</a:t>
-            </a:r>
-            <a:endParaRPr lang="de-DE" sz="2000" dirty="0" smtClean="0"/>
-          </a:p>
-          <a:p>
-            <a:pPr lvl="1"/>
-            <a:r>
-              <a:rPr lang="de-DE" sz="2000" dirty="0" smtClean="0"/>
-              <a:t>Multiple </a:t>
-            </a:r>
-            <a:r>
-              <a:rPr lang="de-DE" sz="2000" dirty="0" err="1" smtClean="0"/>
-              <a:t>Deploy</a:t>
-            </a:r>
-            <a:r>
-              <a:rPr lang="de-DE" sz="2000" dirty="0" smtClean="0"/>
-              <a:t> </a:t>
-            </a:r>
-            <a:r>
-              <a:rPr lang="de-DE" sz="2000" dirty="0" err="1" smtClean="0"/>
               <a:t>Against</a:t>
             </a:r>
             <a:r>
               <a:rPr lang="de-DE" sz="2000" dirty="0" smtClean="0"/>
               <a:t> Containers</a:t>
             </a:r>
-            <a:endParaRPr lang="de-DE" sz="2000" dirty="0" smtClean="0"/>
           </a:p>
           <a:p>
             <a:pPr lvl="1"/>
@@ -5858,11 +5780,7 @@
             </a:r>
             <a:r>
               <a:rPr lang="de-DE" sz="2000" dirty="0" smtClean="0"/>
-              <a:t> </a:t>
-            </a:r>
-            <a:r>
-              <a:rPr lang="de-DE" sz="2000" dirty="0" smtClean="0"/>
-              <a:t>(</a:t>
+              <a:t> (</a:t>
             </a:r>
             <a:r>
               <a:rPr lang="de-DE" sz="2000" dirty="0" err="1" smtClean="0"/>
@@ -5925,7 +5843,7 @@
             <a:fld id="{98405E6C-AB5C-49C6-8300-E0D31946C0F1}" type="datetime1">
               <a:rPr lang="de-DE" smtClean="0"/>
               <a:pPr/>
-              <a:t>08.04.2011</a:t>
+              <a:t>11.05.2011</a:t>
             </a:fld>
             <a:endParaRPr lang="de-DE"/>
           </a:p>
@@ -6008,7 +5926,6 @@
               <a:rPr lang="de-DE" dirty="0" smtClean="0"/>
               <a:t>Vielen Dank</a:t>
             </a:r>
-            <a:endParaRPr lang="de-DE" dirty="0" smtClean="0"/>
           </a:p>
         </p:txBody>
       </p:sp>
@@ -6040,7 +5957,6 @@
               <a:rPr lang="de-DE" sz="2000" b="1" dirty="0" smtClean="0"/>
               <a:t>E-Mail</a:t>
             </a:r>
-            <a:endParaRPr lang="de-DE" sz="2000" b="1" dirty="0" smtClean="0"/>
           </a:p>
           <a:p>
             <a:pPr lvl="2"/>
@@ -6080,11 +5996,15 @@
             <a:pPr lvl="2"/>
             <a:r>
               <a:rPr lang="de-DE" sz="2000" dirty="0" smtClean="0"/>
-              <a:t>http://</a:t>
-            </a:r>
-            <a:r>
-              <a:rPr lang="de-DE" sz="2000" dirty="0" smtClean="0"/>
-              <a:t>github.com/michaelschuetz/seamArquillian-bed2011</a:t>
+              <a:t>http</a:t>
+            </a:r>
+            <a:r>
+              <a:rPr lang="de-DE" sz="2000" smtClean="0"/>
+              <a:t>://</a:t>
+            </a:r>
+            <a:r>
+              <a:rPr lang="de-DE" sz="2000" smtClean="0"/>
+              <a:t>github.com/michaelschuetz/seamArquillian-linuxtag2011</a:t>
             </a:r>
             <a:endParaRPr lang="de-DE" sz="2000" dirty="0" smtClean="0"/>
           </a:p>
@@ -6138,7 +6058,7 @@
             <a:fld id="{98405E6C-AB5C-49C6-8300-E0D31946C0F1}" type="datetime1">
               <a:rPr lang="de-DE" smtClean="0"/>
               <a:pPr/>
-              <a:t>08.04.2011</a:t>
+              <a:t>11.05.2011</a:t>
             </a:fld>
             <a:endParaRPr lang="de-DE"/>
           </a:p>
@@ -6221,7 +6141,6 @@
               <a:rPr lang="de-DE" dirty="0" smtClean="0"/>
               <a:t>Wer bin ich… </a:t>
             </a:r>
-            <a:endParaRPr lang="de-DE" dirty="0" smtClean="0"/>
           </a:p>
         </p:txBody>
       </p:sp>
@@ -6295,7 +6214,7 @@
             <a:fld id="{98405E6C-AB5C-49C6-8300-E0D31946C0F1}" type="datetime1">
               <a:rPr lang="de-DE" smtClean="0"/>
               <a:pPr/>
-              <a:t>08.04.2011</a:t>
+              <a:t>11.05.2011</a:t>
             </a:fld>
             <a:endParaRPr lang="de-DE"/>
           </a:p>
@@ -6408,14 +6327,14 @@
           </a:ln>
           <a:extLst>
             <a:ext uri="{909E8E84-426E-40DD-AFC4-6F175D3DCCD1}">
-              <a14:hiddenFill xmlns="" xmlns:a14="http://schemas.microsoft.com/office/drawing/2010/main">
+              <a14:hiddenFill xmlns:a14="http://schemas.microsoft.com/office/drawing/2010/main" xmlns="">
                 <a:solidFill>
                   <a:srgbClr val="FFFFFF"/>
                 </a:solidFill>
               </a14:hiddenFill>
             </a:ext>
             <a:ext uri="{91240B29-F687-4F45-9708-019B960494DF}">
-              <a14:hiddenLine xmlns="" xmlns:a14="http://schemas.microsoft.com/office/drawing/2010/main" w="9525">
+              <a14:hiddenLine xmlns:a14="http://schemas.microsoft.com/office/drawing/2010/main" xmlns="" w="9525">
                 <a:solidFill>
                   <a:srgbClr val="000000"/>
                 </a:solidFill>
@@ -6505,14 +6424,14 @@
           </a:ln>
           <a:extLst>
             <a:ext uri="{909E8E84-426E-40DD-AFC4-6F175D3DCCD1}">
-              <a14:hiddenFill xmlns="" xmlns:a14="http://schemas.microsoft.com/office/drawing/2010/main">
+              <a14:hiddenFill xmlns:a14="http://schemas.microsoft.com/office/drawing/2010/main" xmlns="">
                 <a:solidFill>
                   <a:srgbClr val="FFFFFF"/>
                 </a:solidFill>
               </a14:hiddenFill>
             </a:ext>
             <a:ext uri="{91240B29-F687-4F45-9708-019B960494DF}">
-              <a14:hiddenLine xmlns="" xmlns:a14="http://schemas.microsoft.com/office/drawing/2010/main" w="9525">
+              <a14:hiddenLine xmlns:a14="http://schemas.microsoft.com/office/drawing/2010/main" xmlns="" w="9525">
                 <a:solidFill>
                   <a:srgbClr val="000000"/>
                 </a:solidFill>
@@ -6564,19 +6483,6 @@
               </a:rPr>
               <a:t>Profil </a:t>
             </a:r>
-            <a:endParaRPr kumimoji="0" lang="de-DE" sz="3200" b="0" i="0" u="none" strike="noStrike" kern="0" cap="none" spc="0" normalizeH="0" baseline="0" noProof="0" dirty="0" smtClean="0">
-              <a:ln>
-                <a:noFill/>
-              </a:ln>
-              <a:solidFill>
-                <a:srgbClr val="3F3F3F"/>
-              </a:solidFill>
-              <a:effectLst/>
-              <a:uLnTx/>
-              <a:uFillTx/>
-              <a:latin typeface="Calibri" pitchFamily="34" charset="0"/>
-              <a:cs typeface="Calibri" pitchFamily="34" charset="0"/>
-            </a:endParaRPr>
           </a:p>
         </p:txBody>
       </p:sp>
@@ -6602,14 +6508,14 @@
           </a:ln>
           <a:extLst>
             <a:ext uri="{909E8E84-426E-40DD-AFC4-6F175D3DCCD1}">
-              <a14:hiddenFill xmlns="" xmlns:a14="http://schemas.microsoft.com/office/drawing/2010/main">
+              <a14:hiddenFill xmlns:a14="http://schemas.microsoft.com/office/drawing/2010/main" xmlns="">
                 <a:solidFill>
                   <a:srgbClr val="FFFFFF"/>
                 </a:solidFill>
               </a14:hiddenFill>
             </a:ext>
             <a:ext uri="{91240B29-F687-4F45-9708-019B960494DF}">
-              <a14:hiddenLine xmlns="" xmlns:a14="http://schemas.microsoft.com/office/drawing/2010/main" w="9525">
+              <a14:hiddenLine xmlns:a14="http://schemas.microsoft.com/office/drawing/2010/main" xmlns="" w="9525">
                 <a:solidFill>
                   <a:srgbClr val="000000"/>
                 </a:solidFill>
@@ -6715,14 +6621,14 @@
           </a:ln>
           <a:extLst>
             <a:ext uri="{909E8E84-426E-40DD-AFC4-6F175D3DCCD1}">
-              <a14:hiddenFill xmlns="" xmlns:a14="http://schemas.microsoft.com/office/drawing/2010/main">
+              <a14:hiddenFill xmlns:a14="http://schemas.microsoft.com/office/drawing/2010/main" xmlns="">
                 <a:solidFill>
                   <a:srgbClr val="FFFFFF"/>
                 </a:solidFill>
               </a14:hiddenFill>
             </a:ext>
             <a:ext uri="{91240B29-F687-4F45-9708-019B960494DF}">
-              <a14:hiddenLine xmlns="" xmlns:a14="http://schemas.microsoft.com/office/drawing/2010/main" w="9525">
+              <a14:hiddenLine xmlns:a14="http://schemas.microsoft.com/office/drawing/2010/main" xmlns="" w="9525">
                 <a:solidFill>
                   <a:srgbClr val="000000"/>
                 </a:solidFill>
@@ -6868,14 +6774,14 @@
           </a:ln>
           <a:extLst>
             <a:ext uri="{909E8E84-426E-40DD-AFC4-6F175D3DCCD1}">
-              <a14:hiddenFill xmlns="" xmlns:a14="http://schemas.microsoft.com/office/drawing/2010/main">
+              <a14:hiddenFill xmlns:a14="http://schemas.microsoft.com/office/drawing/2010/main" xmlns="">
                 <a:solidFill>
                   <a:srgbClr val="FFFFFF"/>
                 </a:solidFill>
               </a14:hiddenFill>
             </a:ext>
             <a:ext uri="{91240B29-F687-4F45-9708-019B960494DF}">
-              <a14:hiddenLine xmlns="" xmlns:a14="http://schemas.microsoft.com/office/drawing/2010/main" w="9525">
+              <a14:hiddenLine xmlns:a14="http://schemas.microsoft.com/office/drawing/2010/main" xmlns="" w="9525">
                 <a:solidFill>
                   <a:srgbClr val="000000"/>
                 </a:solidFill>
@@ -6941,48 +6847,7 @@
                 <a:latin typeface="Calibri" pitchFamily="34" charset="0"/>
                 <a:cs typeface="Calibri" pitchFamily="34" charset="0"/>
               </a:rPr>
-              <a:t>2011</a:t>
-            </a:r>
-            <a:r>
-              <a:rPr kumimoji="0" lang="de-DE" sz="2400" b="0" i="0" u="none" strike="noStrike" kern="0" cap="none" spc="0" normalizeH="0" noProof="0" dirty="0" smtClean="0">
-                <a:ln>
-                  <a:noFill/>
-                </a:ln>
-                <a:solidFill>
-                  <a:srgbClr val="3F3F3F"/>
-                </a:solidFill>
-                <a:effectLst/>
-                <a:uLnTx/>
-                <a:uFillTx/>
-                <a:latin typeface="Calibri" pitchFamily="34" charset="0"/>
-                <a:cs typeface="Calibri" pitchFamily="34" charset="0"/>
-              </a:rPr>
-              <a:t> </a:t>
-            </a:r>
-            <a:r>
-              <a:rPr lang="de-DE" sz="2400" i="0" kern="0" dirty="0" smtClean="0">
-                <a:solidFill>
-                  <a:srgbClr val="3F3F3F"/>
-                </a:solidFill>
-                <a:cs typeface="Calibri" pitchFamily="34" charset="0"/>
-              </a:rPr>
-              <a:t>(-:</a:t>
-            </a:r>
-            <a:r>
-              <a:rPr kumimoji="0" lang="de-DE" sz="2400" b="0" i="0" u="none" strike="noStrike" kern="0" cap="none" spc="0" normalizeH="0" baseline="0" noProof="0" dirty="0" smtClean="0">
-                <a:ln>
-                  <a:noFill/>
-                </a:ln>
-                <a:solidFill>
-                  <a:srgbClr val="3F3F3F"/>
-                </a:solidFill>
-                <a:effectLst/>
-                <a:uLnTx/>
-                <a:uFillTx/>
-                <a:latin typeface="Calibri" pitchFamily="34" charset="0"/>
-                <a:cs typeface="Calibri" pitchFamily="34" charset="0"/>
-              </a:rPr>
-              <a:t> </a:t>
+              <a:t>2011 </a:t>
             </a:r>
             <a:endParaRPr kumimoji="0" lang="de-DE" sz="2400" b="0" i="0" u="none" strike="noStrike" kern="0" cap="none" spc="0" normalizeH="0" baseline="0" noProof="0" dirty="0" smtClean="0">
               <a:ln>
@@ -7423,7 +7288,6 @@
               <a:rPr lang="de-DE" sz="2000" dirty="0" smtClean="0"/>
               <a:t>Was erwartet Euch heute?</a:t>
             </a:r>
-            <a:endParaRPr lang="de-DE" sz="2000" dirty="0" smtClean="0"/>
           </a:p>
           <a:p>
             <a:pPr lvl="1"/>
@@ -7441,11 +7305,7 @@
             </a:r>
             <a:r>
               <a:rPr lang="en-US" sz="2000" dirty="0" smtClean="0"/>
-              <a:t> </a:t>
-            </a:r>
-            <a:r>
-              <a:rPr lang="en-US" sz="2000" dirty="0" smtClean="0"/>
-              <a:t>Warm-Up</a:t>
+              <a:t> Warm-Up</a:t>
             </a:r>
           </a:p>
           <a:p>
@@ -7465,7 +7325,6 @@
               <a:rPr lang="en-US" sz="2000" dirty="0" smtClean="0"/>
               <a:t>Live Coding</a:t>
             </a:r>
-            <a:endParaRPr lang="en-US" sz="2000" dirty="0" smtClean="0"/>
           </a:p>
           <a:p>
             <a:pPr lvl="1"/>
@@ -7535,7 +7394,7 @@
             <a:fld id="{98405E6C-AB5C-49C6-8300-E0D31946C0F1}" type="datetime1">
               <a:rPr lang="de-DE" smtClean="0"/>
               <a:pPr/>
-              <a:t>08.04.2011</a:t>
+              <a:t>11.05.2011</a:t>
             </a:fld>
             <a:endParaRPr lang="de-DE"/>
           </a:p>
@@ -7915,13 +7774,8 @@
             </a:r>
             <a:r>
               <a:rPr lang="de-DE" dirty="0" smtClean="0"/>
-              <a:t> 2</a:t>
-            </a:r>
-            <a:r>
-              <a:rPr lang="de-DE" dirty="0" smtClean="0"/>
-              <a:t>? Ich dachte das ist veraltet?</a:t>
-            </a:r>
-            <a:endParaRPr lang="de-DE" dirty="0" smtClean="0"/>
+              <a:t> 2? Ich dachte das ist veraltet?</a:t>
+            </a:r>
           </a:p>
         </p:txBody>
       </p:sp>
@@ -7949,7 +7803,6 @@
               <a:rPr lang="de-DE" sz="2000" dirty="0" smtClean="0"/>
               <a:t>Warum setzen wir noch auf Seam2?</a:t>
             </a:r>
-            <a:endParaRPr lang="de-DE" sz="2000" dirty="0" smtClean="0"/>
           </a:p>
           <a:p>
             <a:pPr lvl="1"/>
@@ -7997,11 +7850,7 @@
             </a:r>
             <a:r>
               <a:rPr lang="en-US" sz="2000" dirty="0" smtClean="0"/>
-              <a:t> Final Release </a:t>
-            </a:r>
-            <a:r>
-              <a:rPr lang="en-US" sz="2000" dirty="0" smtClean="0"/>
-              <a:t>des </a:t>
+              <a:t> Final Release des </a:t>
             </a:r>
             <a:r>
               <a:rPr lang="en-US" sz="2000" dirty="0" err="1" smtClean="0"/>
@@ -8034,7 +7883,6 @@
               <a:rPr lang="en-US" sz="2000" dirty="0" smtClean="0"/>
               <a:t>Portal Context!</a:t>
             </a:r>
-            <a:endParaRPr lang="en-US" sz="2000" dirty="0" smtClean="0"/>
           </a:p>
           <a:p>
             <a:pPr lvl="2"/>
@@ -8044,15 +7892,7 @@
             </a:r>
             <a:r>
               <a:rPr lang="en-US" sz="2000" dirty="0" smtClean="0"/>
-              <a:t> 3.1. </a:t>
-            </a:r>
-            <a:r>
-              <a:rPr lang="en-US" sz="2000" dirty="0" smtClean="0"/>
-              <a:t>“final</a:t>
-            </a:r>
-            <a:r>
-              <a:rPr lang="en-US" sz="2000" dirty="0" smtClean="0"/>
-              <a:t>” (JBoss Portal + </a:t>
+              <a:t> 3.1. “final” (JBoss Portal + </a:t>
             </a:r>
             <a:r>
               <a:rPr lang="en-US" sz="2000" dirty="0" err="1" smtClean="0"/>
@@ -8079,15 +7919,7 @@
             </a:r>
             <a:r>
               <a:rPr lang="en-US" sz="2000" dirty="0" smtClean="0"/>
-              <a:t>) </a:t>
-            </a:r>
-            <a:r>
-              <a:rPr lang="en-US" sz="2000" dirty="0" smtClean="0"/>
-              <a:t>JSF </a:t>
-            </a:r>
-            <a:r>
-              <a:rPr lang="en-US" sz="2000" dirty="0" smtClean="0"/>
-              <a:t>2 </a:t>
+              <a:t>) JSF 2 </a:t>
             </a:r>
             <a:r>
               <a:rPr lang="en-US" sz="2000" dirty="0" err="1" smtClean="0"/>
@@ -8095,11 +7927,7 @@
             </a:r>
             <a:r>
               <a:rPr lang="en-US" sz="2000" dirty="0" smtClean="0"/>
-              <a:t> </a:t>
-            </a:r>
-            <a:r>
-              <a:rPr lang="en-US" sz="2000" dirty="0" smtClean="0"/>
-              <a:t>Bridge</a:t>
+              <a:t> Bridge</a:t>
             </a:r>
           </a:p>
           <a:p>
@@ -8121,11 +7949,7 @@
             <a:pPr lvl="1"/>
             <a:r>
               <a:rPr lang="en-US" sz="2000" dirty="0" smtClean="0"/>
-              <a:t>JBossAS6 </a:t>
-            </a:r>
-            <a:r>
-              <a:rPr lang="en-US" sz="2000" dirty="0" smtClean="0"/>
-              <a:t>final </a:t>
+              <a:t>JBossAS6 final </a:t>
             </a:r>
             <a:r>
               <a:rPr lang="en-US" sz="2000" dirty="0" err="1" smtClean="0"/>
@@ -8141,13 +7965,8 @@
             </a:r>
             <a:r>
               <a:rPr lang="en-US" sz="2000" dirty="0" smtClean="0"/>
-              <a:t> </a:t>
-            </a:r>
-            <a:r>
-              <a:rPr lang="en-US" sz="2000" dirty="0" smtClean="0"/>
-              <a:t>2010</a:t>
-            </a:r>
-            <a:endParaRPr lang="en-US" sz="2000" dirty="0" smtClean="0"/>
+              <a:t> 2010</a:t>
+            </a:r>
           </a:p>
           <a:p>
             <a:pPr lvl="2"/>
@@ -8175,7 +7994,6 @@
               <a:rPr lang="en-US" sz="2000" dirty="0" smtClean="0"/>
               <a:t> Portal Integration</a:t>
             </a:r>
-            <a:endParaRPr lang="en-US" sz="2000" dirty="0" smtClean="0"/>
           </a:p>
           <a:p>
             <a:pPr lvl="1">
@@ -8227,7 +8045,7 @@
             <a:fld id="{98405E6C-AB5C-49C6-8300-E0D31946C0F1}" type="datetime1">
               <a:rPr lang="de-DE" smtClean="0"/>
               <a:pPr/>
-              <a:t>08.04.2011</a:t>
+              <a:t>11.05.2011</a:t>
             </a:fld>
             <a:endParaRPr lang="de-DE"/>
           </a:p>
@@ -8312,15 +8130,7 @@
             </a:r>
             <a:r>
               <a:rPr lang="de-DE" dirty="0" smtClean="0"/>
-              <a:t> – </a:t>
-            </a:r>
-            <a:r>
-              <a:rPr lang="de-DE" dirty="0" smtClean="0"/>
-              <a:t>Java </a:t>
-            </a:r>
-            <a:r>
-              <a:rPr lang="de-DE" dirty="0" smtClean="0"/>
-              <a:t>EE </a:t>
+              <a:t> – Java EE </a:t>
             </a:r>
             <a:r>
               <a:rPr lang="de-DE" dirty="0" err="1" smtClean="0"/>
@@ -8330,7 +8140,6 @@
               <a:rPr lang="de-DE" dirty="0" smtClean="0"/>
               <a:t> der Zukunft </a:t>
             </a:r>
-            <a:endParaRPr lang="de-DE" dirty="0" smtClean="0"/>
           </a:p>
         </p:txBody>
       </p:sp>
@@ -8358,7 +8167,6 @@
               <a:rPr lang="de-DE" sz="2000" dirty="0" smtClean="0"/>
               <a:t>Auf  einen Blick</a:t>
             </a:r>
-            <a:endParaRPr lang="de-DE" sz="2000" dirty="0" smtClean="0"/>
           </a:p>
           <a:p>
             <a:pPr lvl="1"/>
@@ -8394,7 +8202,6 @@
               <a:rPr lang="de-DE" sz="2000" dirty="0" smtClean="0"/>
               <a:t>Archive</a:t>
             </a:r>
-            <a:endParaRPr lang="de-DE" sz="2000" dirty="0" smtClean="0"/>
           </a:p>
           <a:p>
             <a:pPr lvl="2"/>
@@ -8414,7 +8221,6 @@
               <a:rPr lang="de-DE" sz="2000" dirty="0" smtClean="0"/>
               <a:t> Test-Frameworks</a:t>
             </a:r>
-            <a:endParaRPr lang="de-DE" sz="2000" dirty="0" smtClean="0"/>
           </a:p>
           <a:p>
             <a:pPr lvl="2"/>
@@ -8438,7 +8244,6 @@
               <a:rPr lang="de-DE" sz="2000" dirty="0" smtClean="0"/>
               <a:t>Run Modi</a:t>
             </a:r>
-            <a:endParaRPr lang="de-DE" sz="2000" dirty="0" smtClean="0"/>
           </a:p>
           <a:p>
             <a:pPr lvl="2"/>
@@ -8538,7 +8343,7 @@
             <a:fld id="{98405E6C-AB5C-49C6-8300-E0D31946C0F1}" type="datetime1">
               <a:rPr lang="de-DE" smtClean="0"/>
               <a:pPr/>
-              <a:t>08.04.2011</a:t>
+              <a:t>11.05.2011</a:t>
             </a:fld>
             <a:endParaRPr lang="de-DE"/>
           </a:p>
@@ -8692,17 +8497,12 @@
               <a:rPr lang="en-US" sz="2000" dirty="0" smtClean="0"/>
               <a:t> API </a:t>
             </a:r>
-            <a:endParaRPr lang="en-US" sz="2000" dirty="0" smtClean="0"/>
           </a:p>
           <a:p>
             <a:pPr lvl="1"/>
             <a:r>
               <a:rPr lang="en-US" sz="2000" dirty="0" smtClean="0"/>
-              <a:t>Micro </a:t>
-            </a:r>
-            <a:r>
-              <a:rPr lang="en-US" sz="2000" dirty="0" smtClean="0"/>
-              <a:t>deployments </a:t>
+              <a:t>Micro deployments </a:t>
             </a:r>
           </a:p>
           <a:p>
@@ -8771,7 +8571,7 @@
             <a:fld id="{98405E6C-AB5C-49C6-8300-E0D31946C0F1}" type="datetime1">
               <a:rPr lang="de-DE" smtClean="0"/>
               <a:pPr/>
-              <a:t>08.04.2011</a:t>
+              <a:t>11.05.2011</a:t>
             </a:fld>
             <a:endParaRPr lang="de-DE"/>
           </a:p>
@@ -8856,17 +8656,12 @@
             </a:r>
             <a:r>
               <a:rPr lang="de-DE" dirty="0" err="1" smtClean="0"/>
-              <a:t>T</a:t>
-            </a:r>
-            <a:r>
-              <a:rPr lang="de-DE" dirty="0" err="1" smtClean="0"/>
-              <a:t>esting</a:t>
+              <a:t>Testing</a:t>
             </a:r>
             <a:r>
               <a:rPr lang="de-DE" dirty="0" smtClean="0"/>
               <a:t> </a:t>
             </a:r>
-            <a:endParaRPr lang="de-DE" dirty="0" smtClean="0"/>
           </a:p>
         </p:txBody>
       </p:sp>
@@ -8911,7 +8706,6 @@
               <a:rPr lang="de-DE" sz="2000" dirty="0" smtClean="0"/>
               <a:t> …</a:t>
             </a:r>
-            <a:endParaRPr lang="de-DE" sz="2000" dirty="0" smtClean="0"/>
           </a:p>
         </p:txBody>
       </p:sp>
@@ -8957,7 +8751,7 @@
             <a:fld id="{98405E6C-AB5C-49C6-8300-E0D31946C0F1}" type="datetime1">
               <a:rPr lang="de-DE" smtClean="0"/>
               <a:pPr/>
-              <a:t>08.04.2011</a:t>
+              <a:t>11.05.2011</a:t>
             </a:fld>
             <a:endParaRPr lang="de-DE"/>
           </a:p>
@@ -9737,7 +9531,6 @@
               <a:rPr lang="de-DE" dirty="0" smtClean="0"/>
               <a:t>„Echte“ Praxis</a:t>
             </a:r>
-            <a:endParaRPr lang="de-DE" dirty="0" smtClean="0"/>
           </a:p>
         </p:txBody>
       </p:sp>
@@ -9768,13 +9561,8 @@
             </a:pPr>
             <a:r>
               <a:rPr lang="de-DE" sz="2000" dirty="0" smtClean="0"/>
-              <a:t>3 </a:t>
-            </a:r>
-            <a:r>
-              <a:rPr lang="de-DE" sz="2000" dirty="0" smtClean="0"/>
-              <a:t>Szenarien</a:t>
-            </a:r>
-            <a:endParaRPr lang="de-DE" sz="2000" dirty="0" smtClean="0"/>
+              <a:t>3 Szenarien</a:t>
+            </a:r>
           </a:p>
         </p:txBody>
       </p:sp>
@@ -9820,7 +9608,7 @@
             <a:fld id="{98405E6C-AB5C-49C6-8300-E0D31946C0F1}" type="datetime1">
               <a:rPr lang="de-DE" smtClean="0"/>
               <a:pPr/>
-              <a:t>08.04.2011</a:t>
+              <a:t>11.05.2011</a:t>
             </a:fld>
             <a:endParaRPr lang="de-DE"/>
           </a:p>
@@ -10380,11 +10168,7 @@
             <a:pPr algn="ctr"/>
             <a:r>
               <a:rPr lang="en-US" sz="2000" dirty="0" smtClean="0"/>
-              <a:t>EJB3, JCA </a:t>
-            </a:r>
-            <a:r>
-              <a:rPr lang="en-US" sz="2000" dirty="0" smtClean="0"/>
-              <a:t>Container Configuration</a:t>
+              <a:t>EJB3, JCA Container Configuration</a:t>
             </a:r>
             <a:endParaRPr lang="de-DE" sz="2000" dirty="0"/>
           </a:p>
@@ -10414,11 +10198,7 @@
             <a:pPr algn="ctr"/>
             <a:r>
               <a:rPr lang="en-US" sz="2000" dirty="0" smtClean="0"/>
-              <a:t>Multiple Container</a:t>
-            </a:r>
-            <a:r>
-              <a:rPr lang="en-US" sz="2000" dirty="0" smtClean="0"/>
-              <a:t>, </a:t>
+              <a:t>Multiple Container, </a:t>
             </a:r>
             <a:br>
               <a:rPr lang="en-US" sz="2000" dirty="0" smtClean="0"/>
@@ -10427,7 +10207,6 @@
               <a:rPr lang="en-US" sz="2000" dirty="0" smtClean="0"/>
               <a:t>Cargo</a:t>
             </a:r>
-            <a:endParaRPr lang="en-US" sz="2000" dirty="0" smtClean="0"/>
           </a:p>
           <a:p>
             <a:pPr algn="ctr"/>
@@ -10920,11 +10699,7 @@
           <a:p>
             <a:r>
               <a:rPr lang="en-US" dirty="0" smtClean="0"/>
-              <a:t>Praxis – </a:t>
-            </a:r>
-            <a:r>
-              <a:rPr lang="en-US" dirty="0" smtClean="0"/>
-              <a:t>Seam 2-Integration</a:t>
+              <a:t>Praxis – Seam 2-Integration</a:t>
             </a:r>
             <a:endParaRPr lang="de-DE" dirty="0" smtClean="0"/>
           </a:p>
@@ -10972,7 +10747,7 @@
             <a:fld id="{98405E6C-AB5C-49C6-8300-E0D31946C0F1}" type="datetime1">
               <a:rPr lang="de-DE" smtClean="0"/>
               <a:pPr/>
-              <a:t>08.04.2011</a:t>
+              <a:t>11.05.2011</a:t>
             </a:fld>
             <a:endParaRPr lang="de-DE"/>
           </a:p>
@@ -11033,13 +10808,6 @@
               </a:rPr>
               <a:t>Lokale Entwicklung</a:t>
             </a:r>
-            <a:endParaRPr lang="de-DE" sz="2000" b="1" i="0" dirty="0" smtClean="0">
-              <a:solidFill>
-                <a:schemeClr val="bg2">
-                  <a:lumMod val="50000"/>
-                </a:schemeClr>
-              </a:solidFill>
-            </a:endParaRPr>
           </a:p>
         </p:txBody>
       </p:sp>
@@ -11338,13 +11106,8 @@
             <a:pPr lvl="1"/>
             <a:r>
               <a:rPr lang="de-DE" sz="2000" dirty="0" smtClean="0"/>
-              <a:t>Remote </a:t>
-            </a:r>
-            <a:r>
-              <a:rPr lang="de-DE" sz="2000" dirty="0" smtClean="0"/>
-              <a:t>Container</a:t>
-            </a:r>
-            <a:endParaRPr lang="de-DE" sz="2000" dirty="0" smtClean="0"/>
+              <a:t>Remote Container</a:t>
+            </a:r>
           </a:p>
           <a:p>
             <a:pPr lvl="1"/>
@@ -11354,13 +11117,8 @@
             </a:r>
             <a:r>
               <a:rPr lang="de-DE" sz="2000" dirty="0" smtClean="0"/>
-              <a:t> </a:t>
-            </a:r>
-            <a:r>
-              <a:rPr lang="de-DE" sz="2000" dirty="0" smtClean="0"/>
-              <a:t>gegen laufende Instanz</a:t>
-            </a:r>
-            <a:endParaRPr lang="de-DE" sz="2000" dirty="0" smtClean="0"/>
+              <a:t> gegen laufende Instanz</a:t>
+            </a:r>
           </a:p>
           <a:p>
             <a:pPr lvl="1"/>
@@ -11368,7 +11126,6 @@
               <a:rPr lang="de-DE" sz="2000" dirty="0" smtClean="0"/>
               <a:t>Schnelles Feedback</a:t>
             </a:r>
-            <a:endParaRPr lang="de-DE" sz="2000" dirty="0" smtClean="0"/>
           </a:p>
           <a:p>
             <a:pPr lvl="1"/>
@@ -12817,21 +12574,6 @@
 </file>
 
 <file path=customXml/item1.xml><?xml version="1.0" encoding="utf-8"?>
-<p:properties xmlns:p="http://schemas.microsoft.com/office/2006/metadata/properties" xmlns:xsi="http://www.w3.org/2001/XMLSchema-instance">
-  <documentManagement/>
-</p:properties>
-</file>
-
-<file path=customXml/item2.xml><?xml version="1.0" encoding="utf-8"?>
-<?mso-contentType ?>
-<FormTemplates xmlns="http://schemas.microsoft.com/sharepoint/v3/contenttype/forms">
-  <Display>DocumentLibraryForm</Display>
-  <Edit>DocumentLibraryForm</Edit>
-  <New>DocumentLibraryForm</New>
-</FormTemplates>
-</file>
-
-<file path=customXml/item3.xml><?xml version="1.0" encoding="utf-8"?>
 <ct:contentTypeSchema xmlns:ct="http://schemas.microsoft.com/office/2006/metadata/contentType" xmlns:ma="http://schemas.microsoft.com/office/2006/metadata/properties/metaAttributes" ct:_="" ma:_="" ma:contentTypeName="Dokument" ma:contentTypeID="0x01010013E92FB4F0E35945A177EEC2242ABF8A" ma:contentTypeVersion="1" ma:contentTypeDescription="Ein neues Dokument erstellen." ma:contentTypeScope="" ma:versionID="d2cf3a726627425c3604448812c626dc">
   <xsd:schema xmlns:xsd="http://www.w3.org/2001/XMLSchema" xmlns:p="http://schemas.microsoft.com/office/2006/metadata/properties" targetNamespace="http://schemas.microsoft.com/office/2006/metadata/properties" ma:root="true" ma:fieldsID="bf0b6019ab54b64ea4206d6353e55016">
     <xsd:element name="properties">
@@ -12880,10 +12622,32 @@
 </ct:contentTypeSchema>
 </file>
 
+<file path=customXml/item2.xml><?xml version="1.0" encoding="utf-8"?>
+<?mso-contentType ?>
+<FormTemplates xmlns="http://schemas.microsoft.com/sharepoint/v3/contenttype/forms">
+  <Display>DocumentLibraryForm</Display>
+  <Edit>DocumentLibraryForm</Edit>
+  <New>DocumentLibraryForm</New>
+</FormTemplates>
+</file>
+
+<file path=customXml/item3.xml><?xml version="1.0" encoding="utf-8"?>
+<p:properties xmlns:p="http://schemas.microsoft.com/office/2006/metadata/properties" xmlns:xsi="http://www.w3.org/2001/XMLSchema-instance">
+  <documentManagement/>
+</p:properties>
+</file>
+
 <file path=customXml/itemProps1.xml><?xml version="1.0" encoding="utf-8"?>
-<ds:datastoreItem xmlns:ds="http://schemas.openxmlformats.org/officeDocument/2006/customXml" ds:itemID="{35A4017D-26DD-4BAA-A2EC-766517FD49C2}">
+<ds:datastoreItem xmlns:ds="http://schemas.openxmlformats.org/officeDocument/2006/customXml" ds:itemID="{9F6416C8-433A-4551-934F-62352999253F}">
   <ds:schemaRefs>
+    <ds:schemaRef ds:uri="http://schemas.microsoft.com/office/2006/metadata/contentType"/>
+    <ds:schemaRef ds:uri="http://schemas.microsoft.com/office/2006/metadata/properties/metaAttributes"/>
+    <ds:schemaRef ds:uri="http://www.w3.org/2001/XMLSchema"/>
     <ds:schemaRef ds:uri="http://schemas.microsoft.com/office/2006/metadata/properties"/>
+    <ds:schemaRef ds:uri="http://schemas.openxmlformats.org/package/2006/metadata/core-properties"/>
+    <ds:schemaRef ds:uri="http://purl.org/dc/elements/1.1/"/>
+    <ds:schemaRef ds:uri="http://purl.org/dc/terms/"/>
+    <ds:schemaRef ds:uri="http://schemas.microsoft.com/office/internal/2005/internalDocumentation"/>
   </ds:schemaRefs>
 </ds:datastoreItem>
 </file>
@@ -12897,16 +12661,9 @@
 </file>
 
 <file path=customXml/itemProps3.xml><?xml version="1.0" encoding="utf-8"?>
-<ds:datastoreItem xmlns:ds="http://schemas.openxmlformats.org/officeDocument/2006/customXml" ds:itemID="{9F6416C8-433A-4551-934F-62352999253F}">
+<ds:datastoreItem xmlns:ds="http://schemas.openxmlformats.org/officeDocument/2006/customXml" ds:itemID="{35A4017D-26DD-4BAA-A2EC-766517FD49C2}">
   <ds:schemaRefs>
-    <ds:schemaRef ds:uri="http://schemas.microsoft.com/office/2006/metadata/contentType"/>
-    <ds:schemaRef ds:uri="http://schemas.microsoft.com/office/2006/metadata/properties/metaAttributes"/>
-    <ds:schemaRef ds:uri="http://www.w3.org/2001/XMLSchema"/>
     <ds:schemaRef ds:uri="http://schemas.microsoft.com/office/2006/metadata/properties"/>
-    <ds:schemaRef ds:uri="http://schemas.openxmlformats.org/package/2006/metadata/core-properties"/>
-    <ds:schemaRef ds:uri="http://purl.org/dc/elements/1.1/"/>
-    <ds:schemaRef ds:uri="http://purl.org/dc/terms/"/>
-    <ds:schemaRef ds:uri="http://schemas.microsoft.com/office/internal/2005/internalDocumentation"/>
   </ds:schemaRefs>
 </ds:datastoreItem>
 </file>
--- a/doc/linuxtag_SeamArquillian_de.pptx
+++ b/doc/linuxtag_SeamArquillian_de.pptx
@@ -459,7 +459,7 @@
           </a:ln>
           <a:extLst>
             <a:ext uri="{909E8E84-426E-40DD-AFC4-6F175D3DCCD1}">
-              <a14:hiddenFill xmlns:a14="http://schemas.microsoft.com/office/drawing/2010/main" xmlns="">
+              <a14:hiddenFill xmlns="" xmlns:a14="http://schemas.microsoft.com/office/drawing/2010/main">
                 <a:solidFill>
                   <a:srgbClr val="FFFFFF"/>
                 </a:solidFill>
@@ -633,7 +633,7 @@
     </p:spTree>
     <p:extLst>
       <p:ext uri="{BB962C8B-B14F-4D97-AF65-F5344CB8AC3E}">
-        <p14:creationId xmlns:p14="http://schemas.microsoft.com/office/powerpoint/2010/main" xmlns="" val="2567890474"/>
+        <p14:creationId xmlns="" xmlns:p14="http://schemas.microsoft.com/office/powerpoint/2010/main" val="2567890474"/>
       </p:ext>
     </p:extLst>
   </p:cSld>
@@ -812,7 +812,7 @@
           </a:ln>
           <a:extLst>
             <a:ext uri="{91240B29-F687-4F45-9708-019B960494DF}">
-              <a14:hiddenLine xmlns:a14="http://schemas.microsoft.com/office/drawing/2010/main" xmlns="" w="9525">
+              <a14:hiddenLine xmlns="" xmlns:a14="http://schemas.microsoft.com/office/drawing/2010/main" w="9525">
                 <a:solidFill>
                   <a:srgbClr val="000000"/>
                 </a:solidFill>
@@ -848,7 +848,7 @@
           </a:xfrm>
           <a:extLst>
             <a:ext uri="{91240B29-F687-4F45-9708-019B960494DF}">
-              <a14:hiddenLine xmlns:a14="http://schemas.microsoft.com/office/drawing/2010/main" xmlns="" w="9525" algn="ctr">
+              <a14:hiddenLine xmlns="" xmlns:a14="http://schemas.microsoft.com/office/drawing/2010/main" w="9525" algn="ctr">
                 <a:solidFill>
                   <a:srgbClr val="000000"/>
                 </a:solidFill>
@@ -858,7 +858,7 @@
               </a14:hiddenLine>
             </a:ext>
             <a:ext uri="{AF507438-7753-43E0-B8FC-AC1667EBCBE1}">
-              <a14:hiddenEffects xmlns:a14="http://schemas.microsoft.com/office/drawing/2010/main" xmlns="">
+              <a14:hiddenEffects xmlns="" xmlns:a14="http://schemas.microsoft.com/office/drawing/2010/main">
                 <a:effectLst>
                   <a:outerShdw dist="35921" dir="2700000" algn="ctr" rotWithShape="0">
                     <a:srgbClr val="808080"/>
@@ -904,7 +904,7 @@
           </a:xfrm>
           <a:extLst>
             <a:ext uri="{91240B29-F687-4F45-9708-019B960494DF}">
-              <a14:hiddenLine xmlns:a14="http://schemas.microsoft.com/office/drawing/2010/main" xmlns="" w="9525" algn="ctr">
+              <a14:hiddenLine xmlns="" xmlns:a14="http://schemas.microsoft.com/office/drawing/2010/main" w="9525" algn="ctr">
                 <a:solidFill>
                   <a:srgbClr val="000000"/>
                 </a:solidFill>
@@ -914,7 +914,7 @@
               </a14:hiddenLine>
             </a:ext>
             <a:ext uri="{AF507438-7753-43E0-B8FC-AC1667EBCBE1}">
-              <a14:hiddenEffects xmlns:a14="http://schemas.microsoft.com/office/drawing/2010/main" xmlns="">
+              <a14:hiddenEffects xmlns="" xmlns:a14="http://schemas.microsoft.com/office/drawing/2010/main">
                 <a:effectLst>
                   <a:outerShdw dist="35921" dir="2700000" algn="ctr" rotWithShape="0">
                     <a:srgbClr val="808080"/>
@@ -954,7 +954,7 @@
           <a:blip r:embed="rId2" cstate="print">
             <a:extLst>
               <a:ext uri="{28A0092B-C50C-407E-A947-70E740481C1C}">
-                <a14:useLocalDpi xmlns:a14="http://schemas.microsoft.com/office/drawing/2010/main" xmlns="" val="0"/>
+                <a14:useLocalDpi xmlns="" xmlns:a14="http://schemas.microsoft.com/office/drawing/2010/main" val="0"/>
               </a:ext>
             </a:extLst>
           </a:blip>
@@ -977,14 +977,14 @@
           </a:ln>
           <a:extLst>
             <a:ext uri="{909E8E84-426E-40DD-AFC4-6F175D3DCCD1}">
-              <a14:hiddenFill xmlns:a14="http://schemas.microsoft.com/office/drawing/2010/main" xmlns="">
+              <a14:hiddenFill xmlns="" xmlns:a14="http://schemas.microsoft.com/office/drawing/2010/main">
                 <a:solidFill>
                   <a:srgbClr val="FFFFFF"/>
                 </a:solidFill>
               </a14:hiddenFill>
             </a:ext>
             <a:ext uri="{91240B29-F687-4F45-9708-019B960494DF}">
-              <a14:hiddenLine xmlns:a14="http://schemas.microsoft.com/office/drawing/2010/main" xmlns="" w="9525">
+              <a14:hiddenLine xmlns="" xmlns:a14="http://schemas.microsoft.com/office/drawing/2010/main" w="9525">
                 <a:solidFill>
                   <a:srgbClr val="000000"/>
                 </a:solidFill>
@@ -1049,7 +1049,7 @@
             <a:effectLst/>
             <a:extLst>
               <a:ext uri="{91240B29-F687-4F45-9708-019B960494DF}">
-                <a14:hiddenLine xmlns:a14="http://schemas.microsoft.com/office/drawing/2010/main" xmlns="" w="9525">
+                <a14:hiddenLine xmlns="" xmlns:a14="http://schemas.microsoft.com/office/drawing/2010/main" w="9525">
                   <a:solidFill>
                     <a:schemeClr val="tx1"/>
                   </a:solidFill>
@@ -1059,7 +1059,7 @@
                 </a14:hiddenLine>
               </a:ext>
               <a:ext uri="{AF507438-7753-43E0-B8FC-AC1667EBCBE1}">
-                <a14:hiddenEffects xmlns:a14="http://schemas.microsoft.com/office/drawing/2010/main" xmlns="">
+                <a14:hiddenEffects xmlns="" xmlns:a14="http://schemas.microsoft.com/office/drawing/2010/main">
                   <a:effectLst>
                     <a:outerShdw dist="35921" dir="2700000" algn="ctr" rotWithShape="0">
                       <a:schemeClr val="bg2"/>
@@ -1151,7 +1151,7 @@
             <a:effectLst/>
             <a:extLst>
               <a:ext uri="{91240B29-F687-4F45-9708-019B960494DF}">
-                <a14:hiddenLine xmlns:a14="http://schemas.microsoft.com/office/drawing/2010/main" xmlns="" w="9525">
+                <a14:hiddenLine xmlns="" xmlns:a14="http://schemas.microsoft.com/office/drawing/2010/main" w="9525">
                   <a:solidFill>
                     <a:schemeClr val="tx1"/>
                   </a:solidFill>
@@ -1161,7 +1161,7 @@
                 </a14:hiddenLine>
               </a:ext>
               <a:ext uri="{AF507438-7753-43E0-B8FC-AC1667EBCBE1}">
-                <a14:hiddenEffects xmlns:a14="http://schemas.microsoft.com/office/drawing/2010/main" xmlns="">
+                <a14:hiddenEffects xmlns="" xmlns:a14="http://schemas.microsoft.com/office/drawing/2010/main">
                   <a:effectLst>
                     <a:outerShdw dist="35921" dir="2700000" algn="ctr" rotWithShape="0">
                       <a:schemeClr val="bg2"/>
@@ -1253,7 +1253,7 @@
             <a:effectLst/>
             <a:extLst>
               <a:ext uri="{91240B29-F687-4F45-9708-019B960494DF}">
-                <a14:hiddenLine xmlns:a14="http://schemas.microsoft.com/office/drawing/2010/main" xmlns="" w="9525">
+                <a14:hiddenLine xmlns="" xmlns:a14="http://schemas.microsoft.com/office/drawing/2010/main" w="9525">
                   <a:solidFill>
                     <a:schemeClr val="tx1"/>
                   </a:solidFill>
@@ -1263,7 +1263,7 @@
                 </a14:hiddenLine>
               </a:ext>
               <a:ext uri="{AF507438-7753-43E0-B8FC-AC1667EBCBE1}">
-                <a14:hiddenEffects xmlns:a14="http://schemas.microsoft.com/office/drawing/2010/main" xmlns="">
+                <a14:hiddenEffects xmlns="" xmlns:a14="http://schemas.microsoft.com/office/drawing/2010/main">
                   <a:effectLst>
                     <a:outerShdw dist="35921" dir="2700000" algn="ctr" rotWithShape="0">
                       <a:schemeClr val="bg2"/>
@@ -1355,7 +1355,7 @@
             <a:effectLst/>
             <a:extLst>
               <a:ext uri="{91240B29-F687-4F45-9708-019B960494DF}">
-                <a14:hiddenLine xmlns:a14="http://schemas.microsoft.com/office/drawing/2010/main" xmlns="" w="9525">
+                <a14:hiddenLine xmlns="" xmlns:a14="http://schemas.microsoft.com/office/drawing/2010/main" w="9525">
                   <a:solidFill>
                     <a:schemeClr val="tx1"/>
                   </a:solidFill>
@@ -1365,7 +1365,7 @@
                 </a14:hiddenLine>
               </a:ext>
               <a:ext uri="{AF507438-7753-43E0-B8FC-AC1667EBCBE1}">
-                <a14:hiddenEffects xmlns:a14="http://schemas.microsoft.com/office/drawing/2010/main" xmlns="">
+                <a14:hiddenEffects xmlns="" xmlns:a14="http://schemas.microsoft.com/office/drawing/2010/main">
                   <a:effectLst>
                     <a:outerShdw dist="35921" dir="2700000" algn="ctr" rotWithShape="0">
                       <a:schemeClr val="bg2"/>
@@ -1457,7 +1457,7 @@
             <a:effectLst/>
             <a:extLst>
               <a:ext uri="{91240B29-F687-4F45-9708-019B960494DF}">
-                <a14:hiddenLine xmlns:a14="http://schemas.microsoft.com/office/drawing/2010/main" xmlns="" w="9525">
+                <a14:hiddenLine xmlns="" xmlns:a14="http://schemas.microsoft.com/office/drawing/2010/main" w="9525">
                   <a:solidFill>
                     <a:schemeClr val="tx1"/>
                   </a:solidFill>
@@ -1467,7 +1467,7 @@
                 </a14:hiddenLine>
               </a:ext>
               <a:ext uri="{AF507438-7753-43E0-B8FC-AC1667EBCBE1}">
-                <a14:hiddenEffects xmlns:a14="http://schemas.microsoft.com/office/drawing/2010/main" xmlns="">
+                <a14:hiddenEffects xmlns="" xmlns:a14="http://schemas.microsoft.com/office/drawing/2010/main">
                   <a:effectLst>
                     <a:outerShdw dist="35921" dir="2700000" algn="ctr" rotWithShape="0">
                       <a:schemeClr val="bg2"/>
@@ -1560,7 +1560,7 @@
             <a:effectLst/>
             <a:extLst>
               <a:ext uri="{91240B29-F687-4F45-9708-019B960494DF}">
-                <a14:hiddenLine xmlns:a14="http://schemas.microsoft.com/office/drawing/2010/main" xmlns="" w="9525">
+                <a14:hiddenLine xmlns="" xmlns:a14="http://schemas.microsoft.com/office/drawing/2010/main" w="9525">
                   <a:solidFill>
                     <a:schemeClr val="tx1"/>
                   </a:solidFill>
@@ -1570,7 +1570,7 @@
                 </a14:hiddenLine>
               </a:ext>
               <a:ext uri="{AF507438-7753-43E0-B8FC-AC1667EBCBE1}">
-                <a14:hiddenEffects xmlns:a14="http://schemas.microsoft.com/office/drawing/2010/main" xmlns="">
+                <a14:hiddenEffects xmlns="" xmlns:a14="http://schemas.microsoft.com/office/drawing/2010/main">
                   <a:effectLst>
                     <a:outerShdw dist="35921" dir="2700000" algn="ctr" rotWithShape="0">
                       <a:schemeClr val="bg2"/>
@@ -2154,7 +2154,7 @@
     </p:spTree>
     <p:extLst>
       <p:ext uri="{BB962C8B-B14F-4D97-AF65-F5344CB8AC3E}">
-        <p14:creationId xmlns:p14="http://schemas.microsoft.com/office/powerpoint/2010/main" xmlns="" val="4188007517"/>
+        <p14:creationId xmlns="" xmlns:p14="http://schemas.microsoft.com/office/powerpoint/2010/main" val="4188007517"/>
       </p:ext>
     </p:extLst>
   </p:cSld>
@@ -2214,7 +2214,7 @@
           </a:ln>
           <a:extLst>
             <a:ext uri="{91240B29-F687-4F45-9708-019B960494DF}">
-              <a14:hiddenLine xmlns:a14="http://schemas.microsoft.com/office/drawing/2010/main" xmlns="" w="9525" algn="ctr">
+              <a14:hiddenLine xmlns="" xmlns:a14="http://schemas.microsoft.com/office/drawing/2010/main" w="9525" algn="ctr">
                 <a:solidFill>
                   <a:srgbClr val="000000"/>
                 </a:solidFill>
@@ -2309,14 +2309,14 @@
           </a:ln>
           <a:extLst>
             <a:ext uri="{909E8E84-426E-40DD-AFC4-6F175D3DCCD1}">
-              <a14:hiddenFill xmlns:a14="http://schemas.microsoft.com/office/drawing/2010/main" xmlns="">
+              <a14:hiddenFill xmlns="" xmlns:a14="http://schemas.microsoft.com/office/drawing/2010/main">
                 <a:solidFill>
                   <a:srgbClr val="FFFFFF"/>
                 </a:solidFill>
               </a14:hiddenFill>
             </a:ext>
             <a:ext uri="{91240B29-F687-4F45-9708-019B960494DF}">
-              <a14:hiddenLine xmlns:a14="http://schemas.microsoft.com/office/drawing/2010/main" xmlns="" w="9525">
+              <a14:hiddenLine xmlns="" xmlns:a14="http://schemas.microsoft.com/office/drawing/2010/main" w="9525">
                 <a:solidFill>
                   <a:srgbClr val="000000"/>
                 </a:solidFill>
@@ -2367,14 +2367,14 @@
           </a:ln>
           <a:extLst>
             <a:ext uri="{909E8E84-426E-40DD-AFC4-6F175D3DCCD1}">
-              <a14:hiddenFill xmlns:a14="http://schemas.microsoft.com/office/drawing/2010/main" xmlns="">
+              <a14:hiddenFill xmlns="" xmlns:a14="http://schemas.microsoft.com/office/drawing/2010/main">
                 <a:solidFill>
                   <a:srgbClr val="FFFFFF"/>
                 </a:solidFill>
               </a14:hiddenFill>
             </a:ext>
             <a:ext uri="{91240B29-F687-4F45-9708-019B960494DF}">
-              <a14:hiddenLine xmlns:a14="http://schemas.microsoft.com/office/drawing/2010/main" xmlns="" w="9525">
+              <a14:hiddenLine xmlns="" xmlns:a14="http://schemas.microsoft.com/office/drawing/2010/main" w="9525">
                 <a:solidFill>
                   <a:srgbClr val="000000"/>
                 </a:solidFill>
@@ -2802,7 +2802,7 @@
           <a:blip r:embed="rId4" cstate="print">
             <a:extLst>
               <a:ext uri="{28A0092B-C50C-407E-A947-70E740481C1C}">
-                <a14:useLocalDpi xmlns:a14="http://schemas.microsoft.com/office/drawing/2010/main" xmlns="" val="0"/>
+                <a14:useLocalDpi xmlns="" xmlns:a14="http://schemas.microsoft.com/office/drawing/2010/main" val="0"/>
               </a:ext>
             </a:extLst>
           </a:blip>
@@ -2825,14 +2825,14 @@
           </a:ln>
           <a:extLst>
             <a:ext uri="{909E8E84-426E-40DD-AFC4-6F175D3DCCD1}">
-              <a14:hiddenFill xmlns:a14="http://schemas.microsoft.com/office/drawing/2010/main" xmlns="">
+              <a14:hiddenFill xmlns="" xmlns:a14="http://schemas.microsoft.com/office/drawing/2010/main">
                 <a:solidFill>
                   <a:srgbClr val="FFFFFF"/>
                 </a:solidFill>
               </a14:hiddenFill>
             </a:ext>
             <a:ext uri="{91240B29-F687-4F45-9708-019B960494DF}">
-              <a14:hiddenLine xmlns:a14="http://schemas.microsoft.com/office/drawing/2010/main" xmlns="" w="9525">
+              <a14:hiddenLine xmlns="" xmlns:a14="http://schemas.microsoft.com/office/drawing/2010/main" w="9525">
                 <a:solidFill>
                   <a:srgbClr val="000000"/>
                 </a:solidFill>
@@ -2897,7 +2897,7 @@
             <a:effectLst/>
             <a:extLst>
               <a:ext uri="{91240B29-F687-4F45-9708-019B960494DF}">
-                <a14:hiddenLine xmlns:a14="http://schemas.microsoft.com/office/drawing/2010/main" xmlns="" w="9525">
+                <a14:hiddenLine xmlns="" xmlns:a14="http://schemas.microsoft.com/office/drawing/2010/main" w="9525">
                   <a:solidFill>
                     <a:schemeClr val="tx1"/>
                   </a:solidFill>
@@ -2907,7 +2907,7 @@
                 </a14:hiddenLine>
               </a:ext>
               <a:ext uri="{AF507438-7753-43E0-B8FC-AC1667EBCBE1}">
-                <a14:hiddenEffects xmlns:a14="http://schemas.microsoft.com/office/drawing/2010/main" xmlns="">
+                <a14:hiddenEffects xmlns="" xmlns:a14="http://schemas.microsoft.com/office/drawing/2010/main">
                   <a:effectLst>
                     <a:outerShdw dist="35921" dir="2700000" algn="ctr" rotWithShape="0">
                       <a:schemeClr val="bg2"/>
@@ -2999,7 +2999,7 @@
             <a:effectLst/>
             <a:extLst>
               <a:ext uri="{91240B29-F687-4F45-9708-019B960494DF}">
-                <a14:hiddenLine xmlns:a14="http://schemas.microsoft.com/office/drawing/2010/main" xmlns="" w="9525">
+                <a14:hiddenLine xmlns="" xmlns:a14="http://schemas.microsoft.com/office/drawing/2010/main" w="9525">
                   <a:solidFill>
                     <a:schemeClr val="tx1"/>
                   </a:solidFill>
@@ -3009,7 +3009,7 @@
                 </a14:hiddenLine>
               </a:ext>
               <a:ext uri="{AF507438-7753-43E0-B8FC-AC1667EBCBE1}">
-                <a14:hiddenEffects xmlns:a14="http://schemas.microsoft.com/office/drawing/2010/main" xmlns="">
+                <a14:hiddenEffects xmlns="" xmlns:a14="http://schemas.microsoft.com/office/drawing/2010/main">
                   <a:effectLst>
                     <a:outerShdw dist="35921" dir="2700000" algn="ctr" rotWithShape="0">
                       <a:schemeClr val="bg2"/>
@@ -3101,7 +3101,7 @@
             <a:effectLst/>
             <a:extLst>
               <a:ext uri="{91240B29-F687-4F45-9708-019B960494DF}">
-                <a14:hiddenLine xmlns:a14="http://schemas.microsoft.com/office/drawing/2010/main" xmlns="" w="9525">
+                <a14:hiddenLine xmlns="" xmlns:a14="http://schemas.microsoft.com/office/drawing/2010/main" w="9525">
                   <a:solidFill>
                     <a:schemeClr val="tx1"/>
                   </a:solidFill>
@@ -3111,7 +3111,7 @@
                 </a14:hiddenLine>
               </a:ext>
               <a:ext uri="{AF507438-7753-43E0-B8FC-AC1667EBCBE1}">
-                <a14:hiddenEffects xmlns:a14="http://schemas.microsoft.com/office/drawing/2010/main" xmlns="">
+                <a14:hiddenEffects xmlns="" xmlns:a14="http://schemas.microsoft.com/office/drawing/2010/main">
                   <a:effectLst>
                     <a:outerShdw dist="35921" dir="2700000" algn="ctr" rotWithShape="0">
                       <a:schemeClr val="bg2"/>
@@ -3203,7 +3203,7 @@
             <a:effectLst/>
             <a:extLst>
               <a:ext uri="{91240B29-F687-4F45-9708-019B960494DF}">
-                <a14:hiddenLine xmlns:a14="http://schemas.microsoft.com/office/drawing/2010/main" xmlns="" w="9525">
+                <a14:hiddenLine xmlns="" xmlns:a14="http://schemas.microsoft.com/office/drawing/2010/main" w="9525">
                   <a:solidFill>
                     <a:schemeClr val="tx1"/>
                   </a:solidFill>
@@ -3213,7 +3213,7 @@
                 </a14:hiddenLine>
               </a:ext>
               <a:ext uri="{AF507438-7753-43E0-B8FC-AC1667EBCBE1}">
-                <a14:hiddenEffects xmlns:a14="http://schemas.microsoft.com/office/drawing/2010/main" xmlns="">
+                <a14:hiddenEffects xmlns="" xmlns:a14="http://schemas.microsoft.com/office/drawing/2010/main">
                   <a:effectLst>
                     <a:outerShdw dist="35921" dir="2700000" algn="ctr" rotWithShape="0">
                       <a:schemeClr val="bg2"/>
@@ -3305,7 +3305,7 @@
             <a:effectLst/>
             <a:extLst>
               <a:ext uri="{91240B29-F687-4F45-9708-019B960494DF}">
-                <a14:hiddenLine xmlns:a14="http://schemas.microsoft.com/office/drawing/2010/main" xmlns="" w="9525">
+                <a14:hiddenLine xmlns="" xmlns:a14="http://schemas.microsoft.com/office/drawing/2010/main" w="9525">
                   <a:solidFill>
                     <a:schemeClr val="tx1"/>
                   </a:solidFill>
@@ -3315,7 +3315,7 @@
                 </a14:hiddenLine>
               </a:ext>
               <a:ext uri="{AF507438-7753-43E0-B8FC-AC1667EBCBE1}">
-                <a14:hiddenEffects xmlns:a14="http://schemas.microsoft.com/office/drawing/2010/main" xmlns="">
+                <a14:hiddenEffects xmlns="" xmlns:a14="http://schemas.microsoft.com/office/drawing/2010/main">
                   <a:effectLst>
                     <a:outerShdw dist="35921" dir="2700000" algn="ctr" rotWithShape="0">
                       <a:schemeClr val="bg2"/>
@@ -3408,7 +3408,7 @@
             <a:effectLst/>
             <a:extLst>
               <a:ext uri="{91240B29-F687-4F45-9708-019B960494DF}">
-                <a14:hiddenLine xmlns:a14="http://schemas.microsoft.com/office/drawing/2010/main" xmlns="" w="9525">
+                <a14:hiddenLine xmlns="" xmlns:a14="http://schemas.microsoft.com/office/drawing/2010/main" w="9525">
                   <a:solidFill>
                     <a:schemeClr val="tx1"/>
                   </a:solidFill>
@@ -3418,7 +3418,7 @@
                 </a14:hiddenLine>
               </a:ext>
               <a:ext uri="{AF507438-7753-43E0-B8FC-AC1667EBCBE1}">
-                <a14:hiddenEffects xmlns:a14="http://schemas.microsoft.com/office/drawing/2010/main" xmlns="">
+                <a14:hiddenEffects xmlns="" xmlns:a14="http://schemas.microsoft.com/office/drawing/2010/main">
                   <a:effectLst>
                     <a:outerShdw dist="35921" dir="2700000" algn="ctr" rotWithShape="0">
                       <a:schemeClr val="bg2"/>
@@ -5694,11 +5694,22 @@
             </a:r>
             <a:r>
               <a:rPr lang="de-DE" sz="2000" dirty="0" smtClean="0"/>
-              <a:t>, 1.0.0.Beta1 </a:t>
+              <a:t>, 1.0.0.Beta1 diesen </a:t>
             </a:r>
             <a:r>
               <a:rPr lang="de-DE" sz="2000" dirty="0" smtClean="0"/>
-              <a:t>diesen Monat</a:t>
+              <a:t>Monat</a:t>
+            </a:r>
+          </a:p>
+          <a:p>
+            <a:pPr lvl="1"/>
+            <a:r>
+              <a:rPr lang="de-DE" sz="2000" smtClean="0"/>
+              <a:t>JBoss </a:t>
+            </a:r>
+            <a:r>
+              <a:rPr lang="de-DE" sz="2000" dirty="0" smtClean="0"/>
+              <a:t>AS7 - Unterstützung</a:t>
             </a:r>
             <a:endParaRPr lang="de-DE" sz="2000" dirty="0" smtClean="0"/>
           </a:p>
@@ -6000,11 +6011,7 @@
             </a:r>
             <a:r>
               <a:rPr lang="de-DE" sz="2000" smtClean="0"/>
-              <a:t>://</a:t>
-            </a:r>
-            <a:r>
-              <a:rPr lang="de-DE" sz="2000" smtClean="0"/>
-              <a:t>github.com/michaelschuetz/seamArquillian-linuxtag2011</a:t>
+              <a:t>://github.com/michaelschuetz/seamArquillian-linuxtag2011</a:t>
             </a:r>
             <a:endParaRPr lang="de-DE" sz="2000" dirty="0" smtClean="0"/>
           </a:p>
@@ -6327,14 +6334,14 @@
           </a:ln>
           <a:extLst>
             <a:ext uri="{909E8E84-426E-40DD-AFC4-6F175D3DCCD1}">
-              <a14:hiddenFill xmlns:a14="http://schemas.microsoft.com/office/drawing/2010/main" xmlns="">
+              <a14:hiddenFill xmlns="" xmlns:a14="http://schemas.microsoft.com/office/drawing/2010/main">
                 <a:solidFill>
                   <a:srgbClr val="FFFFFF"/>
                 </a:solidFill>
               </a14:hiddenFill>
             </a:ext>
             <a:ext uri="{91240B29-F687-4F45-9708-019B960494DF}">
-              <a14:hiddenLine xmlns:a14="http://schemas.microsoft.com/office/drawing/2010/main" xmlns="" w="9525">
+              <a14:hiddenLine xmlns="" xmlns:a14="http://schemas.microsoft.com/office/drawing/2010/main" w="9525">
                 <a:solidFill>
                   <a:srgbClr val="000000"/>
                 </a:solidFill>
@@ -6424,14 +6431,14 @@
           </a:ln>
           <a:extLst>
             <a:ext uri="{909E8E84-426E-40DD-AFC4-6F175D3DCCD1}">
-              <a14:hiddenFill xmlns:a14="http://schemas.microsoft.com/office/drawing/2010/main" xmlns="">
+              <a14:hiddenFill xmlns="" xmlns:a14="http://schemas.microsoft.com/office/drawing/2010/main">
                 <a:solidFill>
                   <a:srgbClr val="FFFFFF"/>
                 </a:solidFill>
               </a14:hiddenFill>
             </a:ext>
             <a:ext uri="{91240B29-F687-4F45-9708-019B960494DF}">
-              <a14:hiddenLine xmlns:a14="http://schemas.microsoft.com/office/drawing/2010/main" xmlns="" w="9525">
+              <a14:hiddenLine xmlns="" xmlns:a14="http://schemas.microsoft.com/office/drawing/2010/main" w="9525">
                 <a:solidFill>
                   <a:srgbClr val="000000"/>
                 </a:solidFill>
@@ -6508,14 +6515,14 @@
           </a:ln>
           <a:extLst>
             <a:ext uri="{909E8E84-426E-40DD-AFC4-6F175D3DCCD1}">
-              <a14:hiddenFill xmlns:a14="http://schemas.microsoft.com/office/drawing/2010/main" xmlns="">
+              <a14:hiddenFill xmlns="" xmlns:a14="http://schemas.microsoft.com/office/drawing/2010/main">
                 <a:solidFill>
                   <a:srgbClr val="FFFFFF"/>
                 </a:solidFill>
               </a14:hiddenFill>
             </a:ext>
             <a:ext uri="{91240B29-F687-4F45-9708-019B960494DF}">
-              <a14:hiddenLine xmlns:a14="http://schemas.microsoft.com/office/drawing/2010/main" xmlns="" w="9525">
+              <a14:hiddenLine xmlns="" xmlns:a14="http://schemas.microsoft.com/office/drawing/2010/main" w="9525">
                 <a:solidFill>
                   <a:srgbClr val="000000"/>
                 </a:solidFill>
@@ -6621,14 +6628,14 @@
           </a:ln>
           <a:extLst>
             <a:ext uri="{909E8E84-426E-40DD-AFC4-6F175D3DCCD1}">
-              <a14:hiddenFill xmlns:a14="http://schemas.microsoft.com/office/drawing/2010/main" xmlns="">
+              <a14:hiddenFill xmlns="" xmlns:a14="http://schemas.microsoft.com/office/drawing/2010/main">
                 <a:solidFill>
                   <a:srgbClr val="FFFFFF"/>
                 </a:solidFill>
               </a14:hiddenFill>
             </a:ext>
             <a:ext uri="{91240B29-F687-4F45-9708-019B960494DF}">
-              <a14:hiddenLine xmlns:a14="http://schemas.microsoft.com/office/drawing/2010/main" xmlns="" w="9525">
+              <a14:hiddenLine xmlns="" xmlns:a14="http://schemas.microsoft.com/office/drawing/2010/main" w="9525">
                 <a:solidFill>
                   <a:srgbClr val="000000"/>
                 </a:solidFill>
@@ -6774,14 +6781,14 @@
           </a:ln>
           <a:extLst>
             <a:ext uri="{909E8E84-426E-40DD-AFC4-6F175D3DCCD1}">
-              <a14:hiddenFill xmlns:a14="http://schemas.microsoft.com/office/drawing/2010/main" xmlns="">
+              <a14:hiddenFill xmlns="" xmlns:a14="http://schemas.microsoft.com/office/drawing/2010/main">
                 <a:solidFill>
                   <a:srgbClr val="FFFFFF"/>
                 </a:solidFill>
               </a14:hiddenFill>
             </a:ext>
             <a:ext uri="{91240B29-F687-4F45-9708-019B960494DF}">
-              <a14:hiddenLine xmlns:a14="http://schemas.microsoft.com/office/drawing/2010/main" xmlns="" w="9525">
+              <a14:hiddenLine xmlns="" xmlns:a14="http://schemas.microsoft.com/office/drawing/2010/main" w="9525">
                 <a:solidFill>
                   <a:srgbClr val="000000"/>
                 </a:solidFill>
@@ -6831,37 +6838,8 @@
                 <a:latin typeface="Calibri" pitchFamily="34" charset="0"/>
                 <a:cs typeface="Calibri" pitchFamily="34" charset="0"/>
               </a:rPr>
-              <a:t>BED-Con </a:t>
-            </a:r>
-            <a:r>
-              <a:rPr kumimoji="0" lang="de-DE" sz="2400" b="0" i="0" u="none" strike="noStrike" kern="0" cap="none" spc="0" normalizeH="0" baseline="0" noProof="0" dirty="0" smtClean="0">
-                <a:ln>
-                  <a:noFill/>
-                </a:ln>
-                <a:solidFill>
-                  <a:srgbClr val="3F3F3F"/>
-                </a:solidFill>
-                <a:effectLst/>
-                <a:uLnTx/>
-                <a:uFillTx/>
-                <a:latin typeface="Calibri" pitchFamily="34" charset="0"/>
-                <a:cs typeface="Calibri" pitchFamily="34" charset="0"/>
-              </a:rPr>
-              <a:t>2011 </a:t>
-            </a:r>
-            <a:endParaRPr kumimoji="0" lang="de-DE" sz="2400" b="0" i="0" u="none" strike="noStrike" kern="0" cap="none" spc="0" normalizeH="0" baseline="0" noProof="0" dirty="0" smtClean="0">
-              <a:ln>
-                <a:noFill/>
-              </a:ln>
-              <a:solidFill>
-                <a:srgbClr val="3F3F3F"/>
-              </a:solidFill>
-              <a:effectLst/>
-              <a:uLnTx/>
-              <a:uFillTx/>
-              <a:latin typeface="Calibri" pitchFamily="34" charset="0"/>
-              <a:cs typeface="Calibri" pitchFamily="34" charset="0"/>
-            </a:endParaRPr>
+              <a:t>BED-Con 2011 </a:t>
+            </a:r>
           </a:p>
         </p:txBody>
       </p:sp>
@@ -12574,6 +12552,21 @@
 </file>
 
 <file path=customXml/item1.xml><?xml version="1.0" encoding="utf-8"?>
+<p:properties xmlns:p="http://schemas.microsoft.com/office/2006/metadata/properties" xmlns:xsi="http://www.w3.org/2001/XMLSchema-instance">
+  <documentManagement/>
+</p:properties>
+</file>
+
+<file path=customXml/item2.xml><?xml version="1.0" encoding="utf-8"?>
+<?mso-contentType ?>
+<FormTemplates xmlns="http://schemas.microsoft.com/sharepoint/v3/contenttype/forms">
+  <Display>DocumentLibraryForm</Display>
+  <Edit>DocumentLibraryForm</Edit>
+  <New>DocumentLibraryForm</New>
+</FormTemplates>
+</file>
+
+<file path=customXml/item3.xml><?xml version="1.0" encoding="utf-8"?>
 <ct:contentTypeSchema xmlns:ct="http://schemas.microsoft.com/office/2006/metadata/contentType" xmlns:ma="http://schemas.microsoft.com/office/2006/metadata/properties/metaAttributes" ct:_="" ma:_="" ma:contentTypeName="Dokument" ma:contentTypeID="0x01010013E92FB4F0E35945A177EEC2242ABF8A" ma:contentTypeVersion="1" ma:contentTypeDescription="Ein neues Dokument erstellen." ma:contentTypeScope="" ma:versionID="d2cf3a726627425c3604448812c626dc">
   <xsd:schema xmlns:xsd="http://www.w3.org/2001/XMLSchema" xmlns:p="http://schemas.microsoft.com/office/2006/metadata/properties" targetNamespace="http://schemas.microsoft.com/office/2006/metadata/properties" ma:root="true" ma:fieldsID="bf0b6019ab54b64ea4206d6353e55016">
     <xsd:element name="properties">
@@ -12622,32 +12615,10 @@
 </ct:contentTypeSchema>
 </file>
 
-<file path=customXml/item2.xml><?xml version="1.0" encoding="utf-8"?>
-<?mso-contentType ?>
-<FormTemplates xmlns="http://schemas.microsoft.com/sharepoint/v3/contenttype/forms">
-  <Display>DocumentLibraryForm</Display>
-  <Edit>DocumentLibraryForm</Edit>
-  <New>DocumentLibraryForm</New>
-</FormTemplates>
-</file>
-
-<file path=customXml/item3.xml><?xml version="1.0" encoding="utf-8"?>
-<p:properties xmlns:p="http://schemas.microsoft.com/office/2006/metadata/properties" xmlns:xsi="http://www.w3.org/2001/XMLSchema-instance">
-  <documentManagement/>
-</p:properties>
-</file>
-
 <file path=customXml/itemProps1.xml><?xml version="1.0" encoding="utf-8"?>
-<ds:datastoreItem xmlns:ds="http://schemas.openxmlformats.org/officeDocument/2006/customXml" ds:itemID="{9F6416C8-433A-4551-934F-62352999253F}">
+<ds:datastoreItem xmlns:ds="http://schemas.openxmlformats.org/officeDocument/2006/customXml" ds:itemID="{35A4017D-26DD-4BAA-A2EC-766517FD49C2}">
   <ds:schemaRefs>
-    <ds:schemaRef ds:uri="http://schemas.microsoft.com/office/2006/metadata/contentType"/>
-    <ds:schemaRef ds:uri="http://schemas.microsoft.com/office/2006/metadata/properties/metaAttributes"/>
-    <ds:schemaRef ds:uri="http://www.w3.org/2001/XMLSchema"/>
     <ds:schemaRef ds:uri="http://schemas.microsoft.com/office/2006/metadata/properties"/>
-    <ds:schemaRef ds:uri="http://schemas.openxmlformats.org/package/2006/metadata/core-properties"/>
-    <ds:schemaRef ds:uri="http://purl.org/dc/elements/1.1/"/>
-    <ds:schemaRef ds:uri="http://purl.org/dc/terms/"/>
-    <ds:schemaRef ds:uri="http://schemas.microsoft.com/office/internal/2005/internalDocumentation"/>
   </ds:schemaRefs>
 </ds:datastoreItem>
 </file>
@@ -12661,9 +12632,16 @@
 </file>
 
 <file path=customXml/itemProps3.xml><?xml version="1.0" encoding="utf-8"?>
-<ds:datastoreItem xmlns:ds="http://schemas.openxmlformats.org/officeDocument/2006/customXml" ds:itemID="{35A4017D-26DD-4BAA-A2EC-766517FD49C2}">
+<ds:datastoreItem xmlns:ds="http://schemas.openxmlformats.org/officeDocument/2006/customXml" ds:itemID="{9F6416C8-433A-4551-934F-62352999253F}">
   <ds:schemaRefs>
+    <ds:schemaRef ds:uri="http://schemas.microsoft.com/office/2006/metadata/contentType"/>
+    <ds:schemaRef ds:uri="http://schemas.microsoft.com/office/2006/metadata/properties/metaAttributes"/>
+    <ds:schemaRef ds:uri="http://www.w3.org/2001/XMLSchema"/>
     <ds:schemaRef ds:uri="http://schemas.microsoft.com/office/2006/metadata/properties"/>
+    <ds:schemaRef ds:uri="http://schemas.openxmlformats.org/package/2006/metadata/core-properties"/>
+    <ds:schemaRef ds:uri="http://purl.org/dc/elements/1.1/"/>
+    <ds:schemaRef ds:uri="http://purl.org/dc/terms/"/>
+    <ds:schemaRef ds:uri="http://schemas.microsoft.com/office/internal/2005/internalDocumentation"/>
   </ds:schemaRefs>
 </ds:datastoreItem>
 </file>